--- a/seminar2018.06.06.pptx
+++ b/seminar2018.06.06.pptx
@@ -5,7 +5,7 @@
     <p:sldMasterId id="2147483675" r:id="rId1"/>
   </p:sldMasterIdLst>
   <p:notesMasterIdLst>
-    <p:notesMasterId r:id="rId9"/>
+    <p:notesMasterId r:id="rId11"/>
   </p:notesMasterIdLst>
   <p:sldIdLst>
     <p:sldId id="256" r:id="rId2"/>
@@ -13,8 +13,10 @@
     <p:sldId id="270" r:id="rId4"/>
     <p:sldId id="271" r:id="rId5"/>
     <p:sldId id="272" r:id="rId6"/>
-    <p:sldId id="273" r:id="rId7"/>
-    <p:sldId id="267" r:id="rId8"/>
+    <p:sldId id="274" r:id="rId7"/>
+    <p:sldId id="275" r:id="rId8"/>
+    <p:sldId id="276" r:id="rId9"/>
+    <p:sldId id="267" r:id="rId10"/>
   </p:sldIdLst>
   <p:sldSz cx="18288000" cy="13716000"/>
   <p:notesSz cx="6858000" cy="9144000"/>
@@ -116,7 +118,7 @@
   <p:extLst>
     <p:ext uri="{EFAFB233-063F-42B5-8137-9DF3F51BA10A}">
       <p15:sldGuideLst xmlns:p15="http://schemas.microsoft.com/office/powerpoint/2012/main">
-        <p15:guide id="1" orient="horz" pos="3003" userDrawn="1">
+        <p15:guide id="1" orient="horz" pos="3306" userDrawn="1">
           <p15:clr>
             <a:srgbClr val="A4A3A4"/>
           </p15:clr>
@@ -5703,6 +5705,665 @@
           </a:p>
         </p:txBody>
       </p:sp>
+      <p:grpSp>
+        <p:nvGrpSpPr>
+          <p:cNvPr id="94" name="グループ化 93">
+            <a:extLst>
+              <a:ext uri="{FF2B5EF4-FFF2-40B4-BE49-F238E27FC236}">
+                <a16:creationId xmlns:a16="http://schemas.microsoft.com/office/drawing/2014/main" id="{5D84F10E-594E-684A-8F7D-EDF95B6CC89F}"/>
+              </a:ext>
+            </a:extLst>
+          </p:cNvPr>
+          <p:cNvGrpSpPr/>
+          <p:nvPr/>
+        </p:nvGrpSpPr>
+        <p:grpSpPr>
+          <a:xfrm>
+            <a:off x="289330" y="1413298"/>
+            <a:ext cx="2160000" cy="934436"/>
+            <a:chOff x="144665" y="525617"/>
+            <a:chExt cx="1080000" cy="467218"/>
+          </a:xfrm>
+        </p:grpSpPr>
+        <p:sp>
+          <p:nvSpPr>
+            <p:cNvPr id="95" name="正方形/長方形 94">
+              <a:extLst>
+                <a:ext uri="{FF2B5EF4-FFF2-40B4-BE49-F238E27FC236}">
+                  <a16:creationId xmlns:a16="http://schemas.microsoft.com/office/drawing/2014/main" id="{13362543-2E5B-E64F-834D-816A59555CAD}"/>
+                </a:ext>
+              </a:extLst>
+            </p:cNvPr>
+            <p:cNvSpPr/>
+            <p:nvPr userDrawn="1"/>
+          </p:nvSpPr>
+          <p:spPr>
+            <a:xfrm>
+              <a:off x="145524" y="542424"/>
+              <a:ext cx="91081" cy="450411"/>
+            </a:xfrm>
+            <a:prstGeom prst="rect">
+              <a:avLst/>
+            </a:prstGeom>
+            <a:solidFill>
+              <a:schemeClr val="accent1"/>
+            </a:solidFill>
+            <a:ln>
+              <a:noFill/>
+            </a:ln>
+          </p:spPr>
+          <p:style>
+            <a:lnRef idx="2">
+              <a:schemeClr val="accent1">
+                <a:shade val="50000"/>
+              </a:schemeClr>
+            </a:lnRef>
+            <a:fillRef idx="1">
+              <a:schemeClr val="accent1"/>
+            </a:fillRef>
+            <a:effectRef idx="0">
+              <a:schemeClr val="accent1"/>
+            </a:effectRef>
+            <a:fontRef idx="minor">
+              <a:schemeClr val="lt1"/>
+            </a:fontRef>
+          </p:style>
+          <p:txBody>
+            <a:bodyPr rot="0" spcFirstLastPara="0" vertOverflow="overflow" horzOverflow="overflow" vert="horz" wrap="square" lIns="68580" tIns="34290" rIns="68580" bIns="34290" numCol="1" spcCol="0" rtlCol="0" fromWordArt="0" anchor="ctr" anchorCtr="0" forceAA="0" compatLnSpc="1">
+              <a:prstTxWarp prst="textNoShape">
+                <a:avLst/>
+              </a:prstTxWarp>
+              <a:noAutofit/>
+            </a:bodyPr>
+            <a:lstStyle/>
+            <a:p>
+              <a:pPr algn="ctr"/>
+              <a:endParaRPr kumimoji="1" lang="ja-JP" altLang="en-US" sz="2700"/>
+            </a:p>
+          </p:txBody>
+        </p:sp>
+        <p:sp>
+          <p:nvSpPr>
+            <p:cNvPr id="96" name="正方形/長方形 95">
+              <a:extLst>
+                <a:ext uri="{FF2B5EF4-FFF2-40B4-BE49-F238E27FC236}">
+                  <a16:creationId xmlns:a16="http://schemas.microsoft.com/office/drawing/2014/main" id="{42126629-0C6D-5144-B961-7F1EFEAB0FE2}"/>
+                </a:ext>
+              </a:extLst>
+            </p:cNvPr>
+            <p:cNvSpPr/>
+            <p:nvPr userDrawn="1"/>
+          </p:nvSpPr>
+          <p:spPr>
+            <a:xfrm>
+              <a:off x="144665" y="525617"/>
+              <a:ext cx="1080000" cy="16137"/>
+            </a:xfrm>
+            <a:prstGeom prst="rect">
+              <a:avLst/>
+            </a:prstGeom>
+            <a:solidFill>
+              <a:schemeClr val="accent1"/>
+            </a:solidFill>
+            <a:ln>
+              <a:noFill/>
+            </a:ln>
+          </p:spPr>
+          <p:style>
+            <a:lnRef idx="2">
+              <a:schemeClr val="accent1">
+                <a:shade val="50000"/>
+              </a:schemeClr>
+            </a:lnRef>
+            <a:fillRef idx="1">
+              <a:schemeClr val="accent1"/>
+            </a:fillRef>
+            <a:effectRef idx="0">
+              <a:schemeClr val="accent1"/>
+            </a:effectRef>
+            <a:fontRef idx="minor">
+              <a:schemeClr val="lt1"/>
+            </a:fontRef>
+          </p:style>
+          <p:txBody>
+            <a:bodyPr rot="0" spcFirstLastPara="0" vertOverflow="overflow" horzOverflow="overflow" vert="horz" wrap="square" lIns="68580" tIns="34290" rIns="68580" bIns="34290" numCol="1" spcCol="0" rtlCol="0" fromWordArt="0" anchor="ctr" anchorCtr="0" forceAA="0" compatLnSpc="1">
+              <a:prstTxWarp prst="textNoShape">
+                <a:avLst/>
+              </a:prstTxWarp>
+              <a:noAutofit/>
+            </a:bodyPr>
+            <a:lstStyle/>
+            <a:p>
+              <a:pPr algn="ctr"/>
+              <a:endParaRPr kumimoji="1" lang="ja-JP" altLang="en-US" sz="2700"/>
+            </a:p>
+          </p:txBody>
+        </p:sp>
+      </p:grpSp>
+      <p:sp>
+        <p:nvSpPr>
+          <p:cNvPr id="97" name="テキスト プレースホルダー 30">
+            <a:extLst>
+              <a:ext uri="{FF2B5EF4-FFF2-40B4-BE49-F238E27FC236}">
+                <a16:creationId xmlns:a16="http://schemas.microsoft.com/office/drawing/2014/main" id="{B6F335D8-7C7A-2E47-AB44-F23F33D9C956}"/>
+              </a:ext>
+            </a:extLst>
+          </p:cNvPr>
+          <p:cNvSpPr txBox="1">
+            <a:spLocks/>
+          </p:cNvSpPr>
+          <p:nvPr/>
+        </p:nvSpPr>
+        <p:spPr>
+          <a:xfrm>
+            <a:off x="571049" y="1583871"/>
+            <a:ext cx="17302163" cy="1403350"/>
+          </a:xfrm>
+          <a:prstGeom prst="rect">
+            <a:avLst/>
+          </a:prstGeom>
+        </p:spPr>
+        <p:txBody>
+          <a:bodyPr>
+            <a:normAutofit/>
+          </a:bodyPr>
+          <a:lstStyle>
+            <a:lvl1pPr marL="0" indent="0" algn="l" defTabSz="1828800" rtl="0" eaLnBrk="1" latinLnBrk="0" hangingPunct="1">
+              <a:lnSpc>
+                <a:spcPct val="90000"/>
+              </a:lnSpc>
+              <a:spcBef>
+                <a:spcPts val="2000"/>
+              </a:spcBef>
+              <a:buFont typeface="Arial" panose="020B0604020202020204" pitchFamily="34" charset="0"/>
+              <a:buNone/>
+              <a:defRPr kumimoji="1" sz="6000" kern="1200">
+                <a:solidFill>
+                  <a:schemeClr val="tx1"/>
+                </a:solidFill>
+                <a:latin typeface="+mn-lt"/>
+                <a:ea typeface="+mn-ea"/>
+                <a:cs typeface="+mn-cs"/>
+              </a:defRPr>
+            </a:lvl1pPr>
+            <a:lvl2pPr marL="1371600" indent="-457200" algn="l" defTabSz="1828800" rtl="0" eaLnBrk="1" latinLnBrk="0" hangingPunct="1">
+              <a:lnSpc>
+                <a:spcPct val="90000"/>
+              </a:lnSpc>
+              <a:spcBef>
+                <a:spcPts val="1000"/>
+              </a:spcBef>
+              <a:buFont typeface="Arial" panose="020B0604020202020204" pitchFamily="34" charset="0"/>
+              <a:buChar char="•"/>
+              <a:defRPr kumimoji="1" sz="4800" kern="1200">
+                <a:solidFill>
+                  <a:schemeClr val="tx1"/>
+                </a:solidFill>
+                <a:latin typeface="+mn-lt"/>
+                <a:ea typeface="+mn-ea"/>
+                <a:cs typeface="+mn-cs"/>
+              </a:defRPr>
+            </a:lvl2pPr>
+            <a:lvl3pPr marL="2286000" indent="-457200" algn="l" defTabSz="1828800" rtl="0" eaLnBrk="1" latinLnBrk="0" hangingPunct="1">
+              <a:lnSpc>
+                <a:spcPct val="90000"/>
+              </a:lnSpc>
+              <a:spcBef>
+                <a:spcPts val="1000"/>
+              </a:spcBef>
+              <a:buFont typeface="Arial" panose="020B0604020202020204" pitchFamily="34" charset="0"/>
+              <a:buChar char="•"/>
+              <a:defRPr kumimoji="1" sz="4000" kern="1200">
+                <a:solidFill>
+                  <a:schemeClr val="tx1"/>
+                </a:solidFill>
+                <a:latin typeface="+mn-lt"/>
+                <a:ea typeface="+mn-ea"/>
+                <a:cs typeface="+mn-cs"/>
+              </a:defRPr>
+            </a:lvl3pPr>
+            <a:lvl4pPr marL="3200400" indent="-457200" algn="l" defTabSz="1828800" rtl="0" eaLnBrk="1" latinLnBrk="0" hangingPunct="1">
+              <a:lnSpc>
+                <a:spcPct val="90000"/>
+              </a:lnSpc>
+              <a:spcBef>
+                <a:spcPts val="1000"/>
+              </a:spcBef>
+              <a:buFont typeface="Arial" panose="020B0604020202020204" pitchFamily="34" charset="0"/>
+              <a:buChar char="•"/>
+              <a:defRPr kumimoji="1" sz="3600" kern="1200">
+                <a:solidFill>
+                  <a:schemeClr val="tx1"/>
+                </a:solidFill>
+                <a:latin typeface="+mn-lt"/>
+                <a:ea typeface="+mn-ea"/>
+                <a:cs typeface="+mn-cs"/>
+              </a:defRPr>
+            </a:lvl4pPr>
+            <a:lvl5pPr marL="4114800" indent="-457200" algn="l" defTabSz="1828800" rtl="0" eaLnBrk="1" latinLnBrk="0" hangingPunct="1">
+              <a:lnSpc>
+                <a:spcPct val="90000"/>
+              </a:lnSpc>
+              <a:spcBef>
+                <a:spcPts val="1000"/>
+              </a:spcBef>
+              <a:buFont typeface="Arial" panose="020B0604020202020204" pitchFamily="34" charset="0"/>
+              <a:buChar char="•"/>
+              <a:defRPr kumimoji="1" sz="3600" kern="1200">
+                <a:solidFill>
+                  <a:schemeClr val="tx1"/>
+                </a:solidFill>
+                <a:latin typeface="+mn-lt"/>
+                <a:ea typeface="+mn-ea"/>
+                <a:cs typeface="+mn-cs"/>
+              </a:defRPr>
+            </a:lvl5pPr>
+            <a:lvl6pPr marL="5029200" indent="-457200" algn="l" defTabSz="1828800" rtl="0" eaLnBrk="1" latinLnBrk="0" hangingPunct="1">
+              <a:lnSpc>
+                <a:spcPct val="90000"/>
+              </a:lnSpc>
+              <a:spcBef>
+                <a:spcPts val="1000"/>
+              </a:spcBef>
+              <a:buFont typeface="Arial" panose="020B0604020202020204" pitchFamily="34" charset="0"/>
+              <a:buChar char="•"/>
+              <a:defRPr kumimoji="1" sz="3600" kern="1200">
+                <a:solidFill>
+                  <a:schemeClr val="tx1"/>
+                </a:solidFill>
+                <a:latin typeface="+mn-lt"/>
+                <a:ea typeface="+mn-ea"/>
+                <a:cs typeface="+mn-cs"/>
+              </a:defRPr>
+            </a:lvl6pPr>
+            <a:lvl7pPr marL="5943600" indent="-457200" algn="l" defTabSz="1828800" rtl="0" eaLnBrk="1" latinLnBrk="0" hangingPunct="1">
+              <a:lnSpc>
+                <a:spcPct val="90000"/>
+              </a:lnSpc>
+              <a:spcBef>
+                <a:spcPts val="1000"/>
+              </a:spcBef>
+              <a:buFont typeface="Arial" panose="020B0604020202020204" pitchFamily="34" charset="0"/>
+              <a:buChar char="•"/>
+              <a:defRPr kumimoji="1" sz="3600" kern="1200">
+                <a:solidFill>
+                  <a:schemeClr val="tx1"/>
+                </a:solidFill>
+                <a:latin typeface="+mn-lt"/>
+                <a:ea typeface="+mn-ea"/>
+                <a:cs typeface="+mn-cs"/>
+              </a:defRPr>
+            </a:lvl7pPr>
+            <a:lvl8pPr marL="6858000" indent="-457200" algn="l" defTabSz="1828800" rtl="0" eaLnBrk="1" latinLnBrk="0" hangingPunct="1">
+              <a:lnSpc>
+                <a:spcPct val="90000"/>
+              </a:lnSpc>
+              <a:spcBef>
+                <a:spcPts val="1000"/>
+              </a:spcBef>
+              <a:buFont typeface="Arial" panose="020B0604020202020204" pitchFamily="34" charset="0"/>
+              <a:buChar char="•"/>
+              <a:defRPr kumimoji="1" sz="3600" kern="1200">
+                <a:solidFill>
+                  <a:schemeClr val="tx1"/>
+                </a:solidFill>
+                <a:latin typeface="+mn-lt"/>
+                <a:ea typeface="+mn-ea"/>
+                <a:cs typeface="+mn-cs"/>
+              </a:defRPr>
+            </a:lvl8pPr>
+            <a:lvl9pPr marL="7772400" indent="-457200" algn="l" defTabSz="1828800" rtl="0" eaLnBrk="1" latinLnBrk="0" hangingPunct="1">
+              <a:lnSpc>
+                <a:spcPct val="90000"/>
+              </a:lnSpc>
+              <a:spcBef>
+                <a:spcPts val="1000"/>
+              </a:spcBef>
+              <a:buFont typeface="Arial" panose="020B0604020202020204" pitchFamily="34" charset="0"/>
+              <a:buChar char="•"/>
+              <a:defRPr kumimoji="1" sz="3600" kern="1200">
+                <a:solidFill>
+                  <a:schemeClr val="tx1"/>
+                </a:solidFill>
+                <a:latin typeface="+mn-lt"/>
+                <a:ea typeface="+mn-ea"/>
+                <a:cs typeface="+mn-cs"/>
+              </a:defRPr>
+            </a:lvl9pPr>
+          </a:lstStyle>
+          <a:p>
+            <a:r>
+              <a:rPr lang="ja-JP" altLang="en-US"/>
+              <a:t>研究テーマ候補</a:t>
+            </a:r>
+          </a:p>
+        </p:txBody>
+      </p:sp>
+      <p:grpSp>
+        <p:nvGrpSpPr>
+          <p:cNvPr id="98" name="グループ化 97">
+            <a:extLst>
+              <a:ext uri="{FF2B5EF4-FFF2-40B4-BE49-F238E27FC236}">
+                <a16:creationId xmlns:a16="http://schemas.microsoft.com/office/drawing/2014/main" id="{9A41AE18-0AF7-7D4E-869C-13E22E217EFA}"/>
+              </a:ext>
+            </a:extLst>
+          </p:cNvPr>
+          <p:cNvGrpSpPr/>
+          <p:nvPr/>
+        </p:nvGrpSpPr>
+        <p:grpSpPr>
+          <a:xfrm>
+            <a:off x="617232" y="2557358"/>
+            <a:ext cx="539448" cy="487368"/>
+            <a:chOff x="400056" y="1061560"/>
+            <a:chExt cx="269724" cy="243684"/>
+          </a:xfrm>
+        </p:grpSpPr>
+        <p:sp>
+          <p:nvSpPr>
+            <p:cNvPr id="99" name="三角形 98">
+              <a:extLst>
+                <a:ext uri="{FF2B5EF4-FFF2-40B4-BE49-F238E27FC236}">
+                  <a16:creationId xmlns:a16="http://schemas.microsoft.com/office/drawing/2014/main" id="{8DF0E308-C52B-E540-82EC-5DB9EFFC9127}"/>
+                </a:ext>
+              </a:extLst>
+            </p:cNvPr>
+            <p:cNvSpPr/>
+            <p:nvPr userDrawn="1"/>
+          </p:nvSpPr>
+          <p:spPr>
+            <a:xfrm rot="5400000">
+              <a:off x="359835" y="1105015"/>
+              <a:ext cx="240450" cy="160008"/>
+            </a:xfrm>
+            <a:prstGeom prst="triangle">
+              <a:avLst/>
+            </a:prstGeom>
+            <a:solidFill>
+              <a:schemeClr val="accent1"/>
+            </a:solidFill>
+            <a:ln>
+              <a:noFill/>
+            </a:ln>
+          </p:spPr>
+          <p:style>
+            <a:lnRef idx="0">
+              <a:scrgbClr r="0" g="0" b="0"/>
+            </a:lnRef>
+            <a:fillRef idx="0">
+              <a:scrgbClr r="0" g="0" b="0"/>
+            </a:fillRef>
+            <a:effectRef idx="0">
+              <a:scrgbClr r="0" g="0" b="0"/>
+            </a:effectRef>
+            <a:fontRef idx="minor">
+              <a:schemeClr val="lt1"/>
+            </a:fontRef>
+          </p:style>
+          <p:txBody>
+            <a:bodyPr rtlCol="0" anchor="ctr"/>
+            <a:lstStyle/>
+            <a:p>
+              <a:pPr algn="ctr"/>
+              <a:endParaRPr kumimoji="1" lang="ja-JP" altLang="en-US" sz="7200"/>
+            </a:p>
+          </p:txBody>
+        </p:sp>
+        <p:sp>
+          <p:nvSpPr>
+            <p:cNvPr id="100" name="三角形 99">
+              <a:extLst>
+                <a:ext uri="{FF2B5EF4-FFF2-40B4-BE49-F238E27FC236}">
+                  <a16:creationId xmlns:a16="http://schemas.microsoft.com/office/drawing/2014/main" id="{9F5D49FF-2F35-9848-AEAA-24B3C40FD885}"/>
+                </a:ext>
+              </a:extLst>
+            </p:cNvPr>
+            <p:cNvSpPr/>
+            <p:nvPr userDrawn="1"/>
+          </p:nvSpPr>
+          <p:spPr>
+            <a:xfrm rot="5400000">
+              <a:off x="469551" y="1101781"/>
+              <a:ext cx="240450" cy="160008"/>
+            </a:xfrm>
+            <a:prstGeom prst="triangle">
+              <a:avLst/>
+            </a:prstGeom>
+            <a:solidFill>
+              <a:schemeClr val="accent1"/>
+            </a:solidFill>
+            <a:ln>
+              <a:noFill/>
+            </a:ln>
+          </p:spPr>
+          <p:style>
+            <a:lnRef idx="0">
+              <a:scrgbClr r="0" g="0" b="0"/>
+            </a:lnRef>
+            <a:fillRef idx="0">
+              <a:scrgbClr r="0" g="0" b="0"/>
+            </a:fillRef>
+            <a:effectRef idx="0">
+              <a:scrgbClr r="0" g="0" b="0"/>
+            </a:effectRef>
+            <a:fontRef idx="minor">
+              <a:schemeClr val="lt1"/>
+            </a:fontRef>
+          </p:style>
+          <p:txBody>
+            <a:bodyPr rtlCol="0" anchor="ctr"/>
+            <a:lstStyle/>
+            <a:p>
+              <a:pPr algn="ctr"/>
+              <a:endParaRPr kumimoji="1" lang="ja-JP" altLang="en-US" sz="7200"/>
+            </a:p>
+          </p:txBody>
+        </p:sp>
+      </p:grpSp>
+      <p:sp>
+        <p:nvSpPr>
+          <p:cNvPr id="101" name="テキスト プレースホルダー 27">
+            <a:extLst>
+              <a:ext uri="{FF2B5EF4-FFF2-40B4-BE49-F238E27FC236}">
+                <a16:creationId xmlns:a16="http://schemas.microsoft.com/office/drawing/2014/main" id="{C9F6BB2C-6B6B-6346-BB7B-EDCE71221043}"/>
+              </a:ext>
+            </a:extLst>
+          </p:cNvPr>
+          <p:cNvSpPr txBox="1">
+            <a:spLocks/>
+          </p:cNvSpPr>
+          <p:nvPr/>
+        </p:nvSpPr>
+        <p:spPr>
+          <a:xfrm>
+            <a:off x="1254486" y="2484733"/>
+            <a:ext cx="17551674" cy="1721508"/>
+          </a:xfrm>
+          <a:prstGeom prst="rect">
+            <a:avLst/>
+          </a:prstGeom>
+        </p:spPr>
+        <p:txBody>
+          <a:bodyPr>
+            <a:normAutofit/>
+          </a:bodyPr>
+          <a:lstStyle>
+            <a:lvl1pPr marL="0" indent="0" algn="l" defTabSz="1828800" rtl="0" eaLnBrk="1" latinLnBrk="0" hangingPunct="1">
+              <a:lnSpc>
+                <a:spcPct val="90000"/>
+              </a:lnSpc>
+              <a:spcBef>
+                <a:spcPts val="2000"/>
+              </a:spcBef>
+              <a:buFont typeface="Arial" panose="020B0604020202020204" pitchFamily="34" charset="0"/>
+              <a:buNone/>
+              <a:defRPr kumimoji="1" sz="4800" kern="1200">
+                <a:solidFill>
+                  <a:srgbClr val="424242"/>
+                </a:solidFill>
+                <a:latin typeface="+mn-lt"/>
+                <a:ea typeface="+mn-ea"/>
+                <a:cs typeface="+mn-cs"/>
+              </a:defRPr>
+            </a:lvl1pPr>
+            <a:lvl2pPr marL="1371600" indent="-457200" algn="l" defTabSz="1828800" rtl="0" eaLnBrk="1" latinLnBrk="0" hangingPunct="1">
+              <a:lnSpc>
+                <a:spcPct val="90000"/>
+              </a:lnSpc>
+              <a:spcBef>
+                <a:spcPts val="1000"/>
+              </a:spcBef>
+              <a:buFont typeface="Arial" panose="020B0604020202020204" pitchFamily="34" charset="0"/>
+              <a:buChar char="•"/>
+              <a:defRPr kumimoji="1" sz="4800" kern="1200">
+                <a:solidFill>
+                  <a:schemeClr val="tx1"/>
+                </a:solidFill>
+                <a:latin typeface="+mn-lt"/>
+                <a:ea typeface="+mn-ea"/>
+                <a:cs typeface="+mn-cs"/>
+              </a:defRPr>
+            </a:lvl2pPr>
+            <a:lvl3pPr marL="2286000" indent="-457200" algn="l" defTabSz="1828800" rtl="0" eaLnBrk="1" latinLnBrk="0" hangingPunct="1">
+              <a:lnSpc>
+                <a:spcPct val="90000"/>
+              </a:lnSpc>
+              <a:spcBef>
+                <a:spcPts val="1000"/>
+              </a:spcBef>
+              <a:buFont typeface="Arial" panose="020B0604020202020204" pitchFamily="34" charset="0"/>
+              <a:buChar char="•"/>
+              <a:defRPr kumimoji="1" sz="4000" kern="1200">
+                <a:solidFill>
+                  <a:schemeClr val="tx1"/>
+                </a:solidFill>
+                <a:latin typeface="+mn-lt"/>
+                <a:ea typeface="+mn-ea"/>
+                <a:cs typeface="+mn-cs"/>
+              </a:defRPr>
+            </a:lvl3pPr>
+            <a:lvl4pPr marL="3200400" indent="-457200" algn="l" defTabSz="1828800" rtl="0" eaLnBrk="1" latinLnBrk="0" hangingPunct="1">
+              <a:lnSpc>
+                <a:spcPct val="90000"/>
+              </a:lnSpc>
+              <a:spcBef>
+                <a:spcPts val="1000"/>
+              </a:spcBef>
+              <a:buFont typeface="Arial" panose="020B0604020202020204" pitchFamily="34" charset="0"/>
+              <a:buChar char="•"/>
+              <a:defRPr kumimoji="1" sz="3600" kern="1200">
+                <a:solidFill>
+                  <a:schemeClr val="tx1"/>
+                </a:solidFill>
+                <a:latin typeface="+mn-lt"/>
+                <a:ea typeface="+mn-ea"/>
+                <a:cs typeface="+mn-cs"/>
+              </a:defRPr>
+            </a:lvl4pPr>
+            <a:lvl5pPr marL="4114800" indent="-457200" algn="l" defTabSz="1828800" rtl="0" eaLnBrk="1" latinLnBrk="0" hangingPunct="1">
+              <a:lnSpc>
+                <a:spcPct val="90000"/>
+              </a:lnSpc>
+              <a:spcBef>
+                <a:spcPts val="1000"/>
+              </a:spcBef>
+              <a:buFont typeface="Arial" panose="020B0604020202020204" pitchFamily="34" charset="0"/>
+              <a:buChar char="•"/>
+              <a:defRPr kumimoji="1" sz="3600" kern="1200">
+                <a:solidFill>
+                  <a:schemeClr val="tx1"/>
+                </a:solidFill>
+                <a:latin typeface="+mn-lt"/>
+                <a:ea typeface="+mn-ea"/>
+                <a:cs typeface="+mn-cs"/>
+              </a:defRPr>
+            </a:lvl5pPr>
+            <a:lvl6pPr marL="5029200" indent="-457200" algn="l" defTabSz="1828800" rtl="0" eaLnBrk="1" latinLnBrk="0" hangingPunct="1">
+              <a:lnSpc>
+                <a:spcPct val="90000"/>
+              </a:lnSpc>
+              <a:spcBef>
+                <a:spcPts val="1000"/>
+              </a:spcBef>
+              <a:buFont typeface="Arial" panose="020B0604020202020204" pitchFamily="34" charset="0"/>
+              <a:buChar char="•"/>
+              <a:defRPr kumimoji="1" sz="3600" kern="1200">
+                <a:solidFill>
+                  <a:schemeClr val="tx1"/>
+                </a:solidFill>
+                <a:latin typeface="+mn-lt"/>
+                <a:ea typeface="+mn-ea"/>
+                <a:cs typeface="+mn-cs"/>
+              </a:defRPr>
+            </a:lvl6pPr>
+            <a:lvl7pPr marL="5943600" indent="-457200" algn="l" defTabSz="1828800" rtl="0" eaLnBrk="1" latinLnBrk="0" hangingPunct="1">
+              <a:lnSpc>
+                <a:spcPct val="90000"/>
+              </a:lnSpc>
+              <a:spcBef>
+                <a:spcPts val="1000"/>
+              </a:spcBef>
+              <a:buFont typeface="Arial" panose="020B0604020202020204" pitchFamily="34" charset="0"/>
+              <a:buChar char="•"/>
+              <a:defRPr kumimoji="1" sz="3600" kern="1200">
+                <a:solidFill>
+                  <a:schemeClr val="tx1"/>
+                </a:solidFill>
+                <a:latin typeface="+mn-lt"/>
+                <a:ea typeface="+mn-ea"/>
+                <a:cs typeface="+mn-cs"/>
+              </a:defRPr>
+            </a:lvl7pPr>
+            <a:lvl8pPr marL="6858000" indent="-457200" algn="l" defTabSz="1828800" rtl="0" eaLnBrk="1" latinLnBrk="0" hangingPunct="1">
+              <a:lnSpc>
+                <a:spcPct val="90000"/>
+              </a:lnSpc>
+              <a:spcBef>
+                <a:spcPts val="1000"/>
+              </a:spcBef>
+              <a:buFont typeface="Arial" panose="020B0604020202020204" pitchFamily="34" charset="0"/>
+              <a:buChar char="•"/>
+              <a:defRPr kumimoji="1" sz="3600" kern="1200">
+                <a:solidFill>
+                  <a:schemeClr val="tx1"/>
+                </a:solidFill>
+                <a:latin typeface="+mn-lt"/>
+                <a:ea typeface="+mn-ea"/>
+                <a:cs typeface="+mn-cs"/>
+              </a:defRPr>
+            </a:lvl8pPr>
+            <a:lvl9pPr marL="7772400" indent="-457200" algn="l" defTabSz="1828800" rtl="0" eaLnBrk="1" latinLnBrk="0" hangingPunct="1">
+              <a:lnSpc>
+                <a:spcPct val="90000"/>
+              </a:lnSpc>
+              <a:spcBef>
+                <a:spcPts val="1000"/>
+              </a:spcBef>
+              <a:buFont typeface="Arial" panose="020B0604020202020204" pitchFamily="34" charset="0"/>
+              <a:buChar char="•"/>
+              <a:defRPr kumimoji="1" sz="3600" kern="1200">
+                <a:solidFill>
+                  <a:schemeClr val="tx1"/>
+                </a:solidFill>
+                <a:latin typeface="+mn-lt"/>
+                <a:ea typeface="+mn-ea"/>
+                <a:cs typeface="+mn-cs"/>
+              </a:defRPr>
+            </a:lvl9pPr>
+          </a:lstStyle>
+          <a:p>
+            <a:r>
+              <a:rPr lang="en-US" altLang="ja-JP" dirty="0"/>
+              <a:t>TKI</a:t>
+            </a:r>
+            <a:r>
+              <a:rPr lang="ja-JP" altLang="en-US"/>
+              <a:t>を使用して相手をカテゴリー分けし交渉の戦略を変更</a:t>
+            </a:r>
+            <a:endParaRPr lang="en-US" altLang="ja-JP" dirty="0"/>
+          </a:p>
+        </p:txBody>
+      </p:sp>
     </p:spTree>
     <p:extLst>
       <p:ext uri="{BB962C8B-B14F-4D97-AF65-F5344CB8AC3E}">
@@ -10069,12 +10730,1625 @@
           </a:p>
         </p:txBody>
       </p:sp>
+      <p:grpSp>
+        <p:nvGrpSpPr>
+          <p:cNvPr id="63" name="グループ化 62">
+            <a:extLst>
+              <a:ext uri="{FF2B5EF4-FFF2-40B4-BE49-F238E27FC236}">
+                <a16:creationId xmlns:a16="http://schemas.microsoft.com/office/drawing/2014/main" id="{4AF44EA4-DDD9-7A4B-82C3-6107E4CBC512}"/>
+              </a:ext>
+            </a:extLst>
+          </p:cNvPr>
+          <p:cNvGrpSpPr/>
+          <p:nvPr/>
+        </p:nvGrpSpPr>
+        <p:grpSpPr>
+          <a:xfrm>
+            <a:off x="882225" y="4438026"/>
+            <a:ext cx="16523551" cy="7935264"/>
+            <a:chOff x="882225" y="4438026"/>
+            <a:chExt cx="16523551" cy="7935264"/>
+          </a:xfrm>
+        </p:grpSpPr>
+        <p:grpSp>
+          <p:nvGrpSpPr>
+            <p:cNvPr id="50" name="グループ化 49">
+              <a:extLst>
+                <a:ext uri="{FF2B5EF4-FFF2-40B4-BE49-F238E27FC236}">
+                  <a16:creationId xmlns:a16="http://schemas.microsoft.com/office/drawing/2014/main" id="{44C579FB-CF39-3249-8336-0628B0040FF5}"/>
+                </a:ext>
+              </a:extLst>
+            </p:cNvPr>
+            <p:cNvGrpSpPr/>
+            <p:nvPr/>
+          </p:nvGrpSpPr>
+          <p:grpSpPr>
+            <a:xfrm>
+              <a:off x="3216825" y="9472120"/>
+              <a:ext cx="11854350" cy="2901170"/>
+              <a:chOff x="2226339" y="9389213"/>
+              <a:chExt cx="11854350" cy="2901170"/>
+            </a:xfrm>
+          </p:grpSpPr>
+          <p:sp>
+            <p:nvSpPr>
+              <p:cNvPr id="40" name="テキスト ボックス 39">
+                <a:extLst>
+                  <a:ext uri="{FF2B5EF4-FFF2-40B4-BE49-F238E27FC236}">
+                    <a16:creationId xmlns:a16="http://schemas.microsoft.com/office/drawing/2014/main" id="{F60B8D23-A246-6747-8581-59ACD9297206}"/>
+                  </a:ext>
+                </a:extLst>
+              </p:cNvPr>
+              <p:cNvSpPr txBox="1"/>
+              <p:nvPr/>
+            </p:nvSpPr>
+            <p:spPr>
+              <a:xfrm>
+                <a:off x="5900499" y="11644052"/>
+                <a:ext cx="4506031" cy="646331"/>
+              </a:xfrm>
+              <a:prstGeom prst="rect">
+                <a:avLst/>
+              </a:prstGeom>
+              <a:noFill/>
+            </p:spPr>
+            <p:txBody>
+              <a:bodyPr wrap="square" rtlCol="0">
+                <a:spAutoFit/>
+              </a:bodyPr>
+              <a:lstStyle/>
+              <a:p>
+                <a:pPr algn="ctr"/>
+                <a:r>
+                  <a:rPr lang="ja-JP" altLang="en-US"/>
+                  <a:t>交渉内容</a:t>
+                </a:r>
+                <a:endParaRPr kumimoji="1" lang="ja-JP" altLang="en-US"/>
+              </a:p>
+            </p:txBody>
+          </p:sp>
+          <p:grpSp>
+            <p:nvGrpSpPr>
+              <p:cNvPr id="49" name="グループ化 48">
+                <a:extLst>
+                  <a:ext uri="{FF2B5EF4-FFF2-40B4-BE49-F238E27FC236}">
+                    <a16:creationId xmlns:a16="http://schemas.microsoft.com/office/drawing/2014/main" id="{2E2ADBC7-AB10-924A-B7D8-7021B6210437}"/>
+                  </a:ext>
+                </a:extLst>
+              </p:cNvPr>
+              <p:cNvGrpSpPr/>
+              <p:nvPr/>
+            </p:nvGrpSpPr>
+            <p:grpSpPr>
+              <a:xfrm>
+                <a:off x="2226339" y="9389213"/>
+                <a:ext cx="11854350" cy="2010101"/>
+                <a:chOff x="3821592" y="9287685"/>
+                <a:chExt cx="11854350" cy="2010101"/>
+              </a:xfrm>
+            </p:grpSpPr>
+            <p:pic>
+              <p:nvPicPr>
+                <p:cNvPr id="30" name="グラフィックス 29" descr="Pasta">
+                  <a:extLst>
+                    <a:ext uri="{FF2B5EF4-FFF2-40B4-BE49-F238E27FC236}">
+                      <a16:creationId xmlns:a16="http://schemas.microsoft.com/office/drawing/2014/main" id="{AA8AA5FC-3F62-0645-A9E4-2453CD589EDE}"/>
+                    </a:ext>
+                  </a:extLst>
+                </p:cNvPr>
+                <p:cNvPicPr>
+                  <a:picLocks noChangeAspect="1"/>
+                </p:cNvPicPr>
+                <p:nvPr/>
+              </p:nvPicPr>
+              <p:blipFill>
+                <a:blip r:embed="rId2">
+                  <a:extLst>
+                    <a:ext uri="{96DAC541-7B7A-43D3-8B79-37D633B846F1}">
+                      <asvg:svgBlip xmlns:asvg="http://schemas.microsoft.com/office/drawing/2016/SVG/main" r:embed="rId3"/>
+                    </a:ext>
+                  </a:extLst>
+                </a:blip>
+                <a:stretch>
+                  <a:fillRect/>
+                </a:stretch>
+              </p:blipFill>
+              <p:spPr>
+                <a:xfrm>
+                  <a:off x="10418892" y="9287685"/>
+                  <a:ext cx="1956819" cy="1956819"/>
+                </a:xfrm>
+                <a:prstGeom prst="rect">
+                  <a:avLst/>
+                </a:prstGeom>
+              </p:spPr>
+            </p:pic>
+            <p:pic>
+              <p:nvPicPr>
+                <p:cNvPr id="42" name="グラフィックス 41" descr="Pizza">
+                  <a:extLst>
+                    <a:ext uri="{FF2B5EF4-FFF2-40B4-BE49-F238E27FC236}">
+                      <a16:creationId xmlns:a16="http://schemas.microsoft.com/office/drawing/2014/main" id="{4D0D7605-57E1-2D47-980D-0B3E5E228B1E}"/>
+                    </a:ext>
+                  </a:extLst>
+                </p:cNvPr>
+                <p:cNvPicPr>
+                  <a:picLocks noChangeAspect="1"/>
+                </p:cNvPicPr>
+                <p:nvPr/>
+              </p:nvPicPr>
+              <p:blipFill>
+                <a:blip r:embed="rId4">
+                  <a:extLst>
+                    <a:ext uri="{96DAC541-7B7A-43D3-8B79-37D633B846F1}">
+                      <asvg:svgBlip xmlns:asvg="http://schemas.microsoft.com/office/drawing/2016/SVG/main" r:embed="rId5"/>
+                    </a:ext>
+                  </a:extLst>
+                </a:blip>
+                <a:stretch>
+                  <a:fillRect/>
+                </a:stretch>
+              </p:blipFill>
+              <p:spPr>
+                <a:xfrm>
+                  <a:off x="7120242" y="9340967"/>
+                  <a:ext cx="1956819" cy="1956819"/>
+                </a:xfrm>
+                <a:prstGeom prst="rect">
+                  <a:avLst/>
+                </a:prstGeom>
+              </p:spPr>
+            </p:pic>
+            <p:pic>
+              <p:nvPicPr>
+                <p:cNvPr id="44" name="グラフィックス 43" descr="CakeSlice">
+                  <a:extLst>
+                    <a:ext uri="{FF2B5EF4-FFF2-40B4-BE49-F238E27FC236}">
+                      <a16:creationId xmlns:a16="http://schemas.microsoft.com/office/drawing/2014/main" id="{E4A74F59-522C-3041-BFD7-26FFA95B6CAB}"/>
+                    </a:ext>
+                  </a:extLst>
+                </p:cNvPr>
+                <p:cNvPicPr>
+                  <a:picLocks noChangeAspect="1"/>
+                </p:cNvPicPr>
+                <p:nvPr/>
+              </p:nvPicPr>
+              <p:blipFill>
+                <a:blip r:embed="rId6">
+                  <a:extLst>
+                    <a:ext uri="{96DAC541-7B7A-43D3-8B79-37D633B846F1}">
+                      <asvg:svgBlip xmlns:asvg="http://schemas.microsoft.com/office/drawing/2016/SVG/main" r:embed="rId7"/>
+                    </a:ext>
+                  </a:extLst>
+                </a:blip>
+                <a:stretch>
+                  <a:fillRect/>
+                </a:stretch>
+              </p:blipFill>
+              <p:spPr>
+                <a:xfrm>
+                  <a:off x="3821592" y="9334846"/>
+                  <a:ext cx="1956819" cy="1956819"/>
+                </a:xfrm>
+                <a:prstGeom prst="rect">
+                  <a:avLst/>
+                </a:prstGeom>
+              </p:spPr>
+            </p:pic>
+            <p:pic>
+              <p:nvPicPr>
+                <p:cNvPr id="48" name="グラフィックス 47" descr="Donut">
+                  <a:extLst>
+                    <a:ext uri="{FF2B5EF4-FFF2-40B4-BE49-F238E27FC236}">
+                      <a16:creationId xmlns:a16="http://schemas.microsoft.com/office/drawing/2014/main" id="{6077EAC6-78B7-984C-BA93-0C3FE5450BB1}"/>
+                    </a:ext>
+                  </a:extLst>
+                </p:cNvPr>
+                <p:cNvPicPr>
+                  <a:picLocks noChangeAspect="1"/>
+                </p:cNvPicPr>
+                <p:nvPr/>
+              </p:nvPicPr>
+              <p:blipFill>
+                <a:blip r:embed="rId8">
+                  <a:extLst>
+                    <a:ext uri="{96DAC541-7B7A-43D3-8B79-37D633B846F1}">
+                      <asvg:svgBlip xmlns:asvg="http://schemas.microsoft.com/office/drawing/2016/SVG/main" r:embed="rId9"/>
+                    </a:ext>
+                  </a:extLst>
+                </a:blip>
+                <a:stretch>
+                  <a:fillRect/>
+                </a:stretch>
+              </p:blipFill>
+              <p:spPr>
+                <a:xfrm>
+                  <a:off x="13717542" y="9333265"/>
+                  <a:ext cx="1958400" cy="1958400"/>
+                </a:xfrm>
+                <a:prstGeom prst="rect">
+                  <a:avLst/>
+                </a:prstGeom>
+              </p:spPr>
+            </p:pic>
+          </p:grpSp>
+        </p:grpSp>
+        <p:grpSp>
+          <p:nvGrpSpPr>
+            <p:cNvPr id="62" name="グループ化 61">
+              <a:extLst>
+                <a:ext uri="{FF2B5EF4-FFF2-40B4-BE49-F238E27FC236}">
+                  <a16:creationId xmlns:a16="http://schemas.microsoft.com/office/drawing/2014/main" id="{1ED3FE2A-4CAB-4941-9D00-BFA854D862A9}"/>
+                </a:ext>
+              </a:extLst>
+            </p:cNvPr>
+            <p:cNvGrpSpPr/>
+            <p:nvPr/>
+          </p:nvGrpSpPr>
+          <p:grpSpPr>
+            <a:xfrm>
+              <a:off x="882225" y="4438026"/>
+              <a:ext cx="16523551" cy="3039193"/>
+              <a:chOff x="856258" y="4438026"/>
+              <a:chExt cx="16523551" cy="3039193"/>
+            </a:xfrm>
+          </p:grpSpPr>
+          <p:grpSp>
+            <p:nvGrpSpPr>
+              <p:cNvPr id="61" name="グループ化 60">
+                <a:extLst>
+                  <a:ext uri="{FF2B5EF4-FFF2-40B4-BE49-F238E27FC236}">
+                    <a16:creationId xmlns:a16="http://schemas.microsoft.com/office/drawing/2014/main" id="{BDA18975-F7EA-294B-BBEC-3ABFC73201A2}"/>
+                  </a:ext>
+                </a:extLst>
+              </p:cNvPr>
+              <p:cNvGrpSpPr/>
+              <p:nvPr/>
+            </p:nvGrpSpPr>
+            <p:grpSpPr>
+              <a:xfrm>
+                <a:off x="7372350" y="6215063"/>
+                <a:ext cx="3429000" cy="1060090"/>
+                <a:chOff x="7200900" y="6215063"/>
+                <a:chExt cx="3771900" cy="1060090"/>
+              </a:xfrm>
+            </p:grpSpPr>
+            <p:sp>
+              <p:nvSpPr>
+                <p:cNvPr id="9" name="右矢印 8">
+                  <a:extLst>
+                    <a:ext uri="{FF2B5EF4-FFF2-40B4-BE49-F238E27FC236}">
+                      <a16:creationId xmlns:a16="http://schemas.microsoft.com/office/drawing/2014/main" id="{610A5ED0-7265-F344-8B76-0F08EE99A0F0}"/>
+                    </a:ext>
+                  </a:extLst>
+                </p:cNvPr>
+                <p:cNvSpPr/>
+                <p:nvPr/>
+              </p:nvSpPr>
+              <p:spPr>
+                <a:xfrm>
+                  <a:off x="7200900" y="6215063"/>
+                  <a:ext cx="3771900" cy="371475"/>
+                </a:xfrm>
+                <a:prstGeom prst="rightArrow">
+                  <a:avLst/>
+                </a:prstGeom>
+                <a:ln>
+                  <a:noFill/>
+                </a:ln>
+              </p:spPr>
+              <p:style>
+                <a:lnRef idx="2">
+                  <a:schemeClr val="accent1">
+                    <a:shade val="50000"/>
+                  </a:schemeClr>
+                </a:lnRef>
+                <a:fillRef idx="1">
+                  <a:schemeClr val="accent1"/>
+                </a:fillRef>
+                <a:effectRef idx="0">
+                  <a:schemeClr val="accent1"/>
+                </a:effectRef>
+                <a:fontRef idx="minor">
+                  <a:schemeClr val="lt1"/>
+                </a:fontRef>
+              </p:style>
+              <p:txBody>
+                <a:bodyPr rtlCol="0" anchor="ctr"/>
+                <a:lstStyle/>
+                <a:p>
+                  <a:pPr algn="ctr"/>
+                  <a:endParaRPr kumimoji="1" lang="ja-JP" altLang="en-US"/>
+                </a:p>
+              </p:txBody>
+            </p:sp>
+            <p:sp>
+              <p:nvSpPr>
+                <p:cNvPr id="26" name="右矢印 25">
+                  <a:extLst>
+                    <a:ext uri="{FF2B5EF4-FFF2-40B4-BE49-F238E27FC236}">
+                      <a16:creationId xmlns:a16="http://schemas.microsoft.com/office/drawing/2014/main" id="{14DD9970-8316-8F46-8C96-06F4BC86D3FB}"/>
+                    </a:ext>
+                  </a:extLst>
+                </p:cNvPr>
+                <p:cNvSpPr/>
+                <p:nvPr/>
+              </p:nvSpPr>
+              <p:spPr>
+                <a:xfrm flipH="1">
+                  <a:off x="7200900" y="6903678"/>
+                  <a:ext cx="3771900" cy="371475"/>
+                </a:xfrm>
+                <a:prstGeom prst="rightArrow">
+                  <a:avLst/>
+                </a:prstGeom>
+                <a:ln>
+                  <a:noFill/>
+                </a:ln>
+              </p:spPr>
+              <p:style>
+                <a:lnRef idx="2">
+                  <a:schemeClr val="accent1">
+                    <a:shade val="50000"/>
+                  </a:schemeClr>
+                </a:lnRef>
+                <a:fillRef idx="1">
+                  <a:schemeClr val="accent1"/>
+                </a:fillRef>
+                <a:effectRef idx="0">
+                  <a:schemeClr val="accent1"/>
+                </a:effectRef>
+                <a:fontRef idx="minor">
+                  <a:schemeClr val="lt1"/>
+                </a:fontRef>
+              </p:style>
+              <p:txBody>
+                <a:bodyPr rtlCol="0" anchor="ctr"/>
+                <a:lstStyle/>
+                <a:p>
+                  <a:pPr algn="ctr"/>
+                  <a:endParaRPr kumimoji="1" lang="ja-JP" altLang="en-US"/>
+                </a:p>
+              </p:txBody>
+            </p:sp>
+          </p:grpSp>
+          <p:grpSp>
+            <p:nvGrpSpPr>
+              <p:cNvPr id="59" name="グループ化 58">
+                <a:extLst>
+                  <a:ext uri="{FF2B5EF4-FFF2-40B4-BE49-F238E27FC236}">
+                    <a16:creationId xmlns:a16="http://schemas.microsoft.com/office/drawing/2014/main" id="{788BC890-50A4-6547-9139-84E07E78CDDD}"/>
+                  </a:ext>
+                </a:extLst>
+              </p:cNvPr>
+              <p:cNvGrpSpPr/>
+              <p:nvPr/>
+            </p:nvGrpSpPr>
+            <p:grpSpPr>
+              <a:xfrm>
+                <a:off x="856258" y="4438027"/>
+                <a:ext cx="5489081" cy="3039192"/>
+                <a:chOff x="289330" y="4438027"/>
+                <a:chExt cx="5489081" cy="3039192"/>
+              </a:xfrm>
+            </p:grpSpPr>
+            <p:grpSp>
+              <p:nvGrpSpPr>
+                <p:cNvPr id="52" name="グループ化 51">
+                  <a:extLst>
+                    <a:ext uri="{FF2B5EF4-FFF2-40B4-BE49-F238E27FC236}">
+                      <a16:creationId xmlns:a16="http://schemas.microsoft.com/office/drawing/2014/main" id="{1BCF6E7C-F602-1249-8DD2-2D51F9465F2E}"/>
+                    </a:ext>
+                  </a:extLst>
+                </p:cNvPr>
+                <p:cNvGrpSpPr/>
+                <p:nvPr/>
+              </p:nvGrpSpPr>
+              <p:grpSpPr>
+                <a:xfrm>
+                  <a:off x="4042657" y="5300337"/>
+                  <a:ext cx="1735754" cy="2176882"/>
+                  <a:chOff x="4042657" y="5300337"/>
+                  <a:chExt cx="1735754" cy="2176882"/>
+                </a:xfrm>
+              </p:grpSpPr>
+              <p:sp>
+                <p:nvSpPr>
+                  <p:cNvPr id="7" name="スマイル 6">
+                    <a:extLst>
+                      <a:ext uri="{FF2B5EF4-FFF2-40B4-BE49-F238E27FC236}">
+                        <a16:creationId xmlns:a16="http://schemas.microsoft.com/office/drawing/2014/main" id="{D228A579-477D-5D47-9416-90AA9EAA0BDE}"/>
+                      </a:ext>
+                    </a:extLst>
+                  </p:cNvPr>
+                  <p:cNvSpPr/>
+                  <p:nvPr/>
+                </p:nvSpPr>
+                <p:spPr>
+                  <a:xfrm>
+                    <a:off x="4082142" y="5969783"/>
+                    <a:ext cx="1656784" cy="1507436"/>
+                  </a:xfrm>
+                  <a:prstGeom prst="smileyFace">
+                    <a:avLst/>
+                  </a:prstGeom>
+                  <a:noFill/>
+                  <a:ln w="28575">
+                    <a:solidFill>
+                      <a:schemeClr val="accent1"/>
+                    </a:solidFill>
+                  </a:ln>
+                </p:spPr>
+                <p:style>
+                  <a:lnRef idx="2">
+                    <a:schemeClr val="accent1">
+                      <a:shade val="50000"/>
+                    </a:schemeClr>
+                  </a:lnRef>
+                  <a:fillRef idx="1">
+                    <a:schemeClr val="accent1"/>
+                  </a:fillRef>
+                  <a:effectRef idx="0">
+                    <a:schemeClr val="accent1"/>
+                  </a:effectRef>
+                  <a:fontRef idx="minor">
+                    <a:schemeClr val="lt1"/>
+                  </a:fontRef>
+                </p:style>
+                <p:txBody>
+                  <a:bodyPr rtlCol="0" anchor="ctr"/>
+                  <a:lstStyle/>
+                  <a:p>
+                    <a:pPr algn="ctr"/>
+                    <a:endParaRPr kumimoji="1" lang="ja-JP" altLang="en-US"/>
+                  </a:p>
+                </p:txBody>
+              </p:sp>
+              <p:sp>
+                <p:nvSpPr>
+                  <p:cNvPr id="8" name="テキスト ボックス 7">
+                    <a:extLst>
+                      <a:ext uri="{FF2B5EF4-FFF2-40B4-BE49-F238E27FC236}">
+                        <a16:creationId xmlns:a16="http://schemas.microsoft.com/office/drawing/2014/main" id="{801F810E-BC7B-7A4E-99A7-AFAF07FC3B8C}"/>
+                      </a:ext>
+                    </a:extLst>
+                  </p:cNvPr>
+                  <p:cNvSpPr txBox="1"/>
+                  <p:nvPr/>
+                </p:nvSpPr>
+                <p:spPr>
+                  <a:xfrm>
+                    <a:off x="4042657" y="5300337"/>
+                    <a:ext cx="1735754" cy="646331"/>
+                  </a:xfrm>
+                  <a:prstGeom prst="rect">
+                    <a:avLst/>
+                  </a:prstGeom>
+                  <a:noFill/>
+                </p:spPr>
+                <p:txBody>
+                  <a:bodyPr wrap="square" rtlCol="0">
+                    <a:spAutoFit/>
+                  </a:bodyPr>
+                  <a:lstStyle/>
+                  <a:p>
+                    <a:pPr algn="ctr"/>
+                    <a:r>
+                      <a:rPr kumimoji="1" lang="en-US" altLang="ja-JP" dirty="0"/>
+                      <a:t>agent</a:t>
+                    </a:r>
+                    <a:endParaRPr kumimoji="1" lang="ja-JP" altLang="en-US"/>
+                  </a:p>
+                </p:txBody>
+              </p:sp>
+            </p:grpSp>
+            <p:sp>
+              <p:nvSpPr>
+                <p:cNvPr id="10" name="角丸四角形吹き出し 9">
+                  <a:extLst>
+                    <a:ext uri="{FF2B5EF4-FFF2-40B4-BE49-F238E27FC236}">
+                      <a16:creationId xmlns:a16="http://schemas.microsoft.com/office/drawing/2014/main" id="{C91FDFFE-9D73-D245-86FD-90BADC7755F8}"/>
+                    </a:ext>
+                  </a:extLst>
+                </p:cNvPr>
+                <p:cNvSpPr/>
+                <p:nvPr/>
+              </p:nvSpPr>
+              <p:spPr>
+                <a:xfrm>
+                  <a:off x="289330" y="4438027"/>
+                  <a:ext cx="3639733" cy="1442523"/>
+                </a:xfrm>
+                <a:prstGeom prst="wedgeRoundRectCallout">
+                  <a:avLst>
+                    <a:gd name="adj1" fmla="val 44418"/>
+                    <a:gd name="adj2" fmla="val 78434"/>
+                    <a:gd name="adj3" fmla="val 16667"/>
+                  </a:avLst>
+                </a:prstGeom>
+                <a:ln>
+                  <a:noFill/>
+                </a:ln>
+              </p:spPr>
+              <p:style>
+                <a:lnRef idx="2">
+                  <a:schemeClr val="accent1">
+                    <a:shade val="50000"/>
+                  </a:schemeClr>
+                </a:lnRef>
+                <a:fillRef idx="1">
+                  <a:schemeClr val="accent1"/>
+                </a:fillRef>
+                <a:effectRef idx="0">
+                  <a:schemeClr val="accent1"/>
+                </a:effectRef>
+                <a:fontRef idx="minor">
+                  <a:schemeClr val="lt1"/>
+                </a:fontRef>
+              </p:style>
+              <p:txBody>
+                <a:bodyPr rtlCol="0" anchor="ctr"/>
+                <a:lstStyle/>
+                <a:p>
+                  <a:pPr algn="ctr"/>
+                  <a:r>
+                    <a:rPr kumimoji="1" lang="ja-JP" altLang="en-US"/>
+                    <a:t>ドーナツより</a:t>
+                  </a:r>
+                  <a:endParaRPr kumimoji="1" lang="en-US" altLang="ja-JP" dirty="0"/>
+                </a:p>
+                <a:p>
+                  <a:pPr algn="ctr"/>
+                  <a:r>
+                    <a:rPr lang="ja-JP" altLang="en-US"/>
+                    <a:t>ケーキ</a:t>
+                  </a:r>
+                  <a:r>
+                    <a:rPr kumimoji="1" lang="ja-JP" altLang="en-US"/>
+                    <a:t>が好き</a:t>
+                  </a:r>
+                </a:p>
+              </p:txBody>
+            </p:sp>
+          </p:grpSp>
+          <p:grpSp>
+            <p:nvGrpSpPr>
+              <p:cNvPr id="60" name="グループ化 59">
+                <a:extLst>
+                  <a:ext uri="{FF2B5EF4-FFF2-40B4-BE49-F238E27FC236}">
+                    <a16:creationId xmlns:a16="http://schemas.microsoft.com/office/drawing/2014/main" id="{95D514F6-AAB8-5443-A77E-C9FE96515902}"/>
+                  </a:ext>
+                </a:extLst>
+              </p:cNvPr>
+              <p:cNvGrpSpPr/>
+              <p:nvPr/>
+            </p:nvGrpSpPr>
+            <p:grpSpPr>
+              <a:xfrm>
+                <a:off x="11939756" y="4438026"/>
+                <a:ext cx="5440053" cy="3039193"/>
+                <a:chOff x="12470108" y="4438026"/>
+                <a:chExt cx="5440053" cy="3039193"/>
+              </a:xfrm>
+            </p:grpSpPr>
+            <p:grpSp>
+              <p:nvGrpSpPr>
+                <p:cNvPr id="56" name="グループ化 55">
+                  <a:extLst>
+                    <a:ext uri="{FF2B5EF4-FFF2-40B4-BE49-F238E27FC236}">
+                      <a16:creationId xmlns:a16="http://schemas.microsoft.com/office/drawing/2014/main" id="{648E72E5-220A-5646-A1C3-1CB69FF1BA5D}"/>
+                    </a:ext>
+                  </a:extLst>
+                </p:cNvPr>
+                <p:cNvGrpSpPr/>
+                <p:nvPr/>
+              </p:nvGrpSpPr>
+              <p:grpSpPr>
+                <a:xfrm>
+                  <a:off x="12470108" y="5234219"/>
+                  <a:ext cx="1735754" cy="2243000"/>
+                  <a:chOff x="12470108" y="5234219"/>
+                  <a:chExt cx="1735754" cy="2243000"/>
+                </a:xfrm>
+              </p:grpSpPr>
+              <p:sp>
+                <p:nvSpPr>
+                  <p:cNvPr id="22" name="スマイル 21">
+                    <a:extLst>
+                      <a:ext uri="{FF2B5EF4-FFF2-40B4-BE49-F238E27FC236}">
+                        <a16:creationId xmlns:a16="http://schemas.microsoft.com/office/drawing/2014/main" id="{F20C562D-22E5-E84E-BF0E-CF1AAB77878B}"/>
+                      </a:ext>
+                    </a:extLst>
+                  </p:cNvPr>
+                  <p:cNvSpPr/>
+                  <p:nvPr/>
+                </p:nvSpPr>
+                <p:spPr>
+                  <a:xfrm>
+                    <a:off x="12549078" y="5969783"/>
+                    <a:ext cx="1656784" cy="1507436"/>
+                  </a:xfrm>
+                  <a:prstGeom prst="smileyFace">
+                    <a:avLst/>
+                  </a:prstGeom>
+                  <a:noFill/>
+                  <a:ln w="28575">
+                    <a:solidFill>
+                      <a:schemeClr val="accent1"/>
+                    </a:solidFill>
+                  </a:ln>
+                </p:spPr>
+                <p:style>
+                  <a:lnRef idx="2">
+                    <a:schemeClr val="accent1">
+                      <a:shade val="50000"/>
+                    </a:schemeClr>
+                  </a:lnRef>
+                  <a:fillRef idx="1">
+                    <a:schemeClr val="accent1"/>
+                  </a:fillRef>
+                  <a:effectRef idx="0">
+                    <a:schemeClr val="accent1"/>
+                  </a:effectRef>
+                  <a:fontRef idx="minor">
+                    <a:schemeClr val="lt1"/>
+                  </a:fontRef>
+                </p:style>
+                <p:txBody>
+                  <a:bodyPr rtlCol="0" anchor="ctr"/>
+                  <a:lstStyle/>
+                  <a:p>
+                    <a:pPr algn="ctr"/>
+                    <a:endParaRPr kumimoji="1" lang="ja-JP" altLang="en-US"/>
+                  </a:p>
+                </p:txBody>
+              </p:sp>
+              <p:sp>
+                <p:nvSpPr>
+                  <p:cNvPr id="25" name="テキスト ボックス 24">
+                    <a:extLst>
+                      <a:ext uri="{FF2B5EF4-FFF2-40B4-BE49-F238E27FC236}">
+                        <a16:creationId xmlns:a16="http://schemas.microsoft.com/office/drawing/2014/main" id="{B097CB65-CD2F-E74C-A9E6-B2E571458D84}"/>
+                      </a:ext>
+                    </a:extLst>
+                  </p:cNvPr>
+                  <p:cNvSpPr txBox="1"/>
+                  <p:nvPr/>
+                </p:nvSpPr>
+                <p:spPr>
+                  <a:xfrm>
+                    <a:off x="12470108" y="5234219"/>
+                    <a:ext cx="1735754" cy="646331"/>
+                  </a:xfrm>
+                  <a:prstGeom prst="rect">
+                    <a:avLst/>
+                  </a:prstGeom>
+                  <a:noFill/>
+                </p:spPr>
+                <p:txBody>
+                  <a:bodyPr wrap="square" rtlCol="0">
+                    <a:spAutoFit/>
+                  </a:bodyPr>
+                  <a:lstStyle/>
+                  <a:p>
+                    <a:pPr algn="ctr"/>
+                    <a:r>
+                      <a:rPr lang="en-US" altLang="ja-JP" dirty="0"/>
+                      <a:t>human</a:t>
+                    </a:r>
+                    <a:endParaRPr kumimoji="1" lang="ja-JP" altLang="en-US"/>
+                  </a:p>
+                </p:txBody>
+              </p:sp>
+            </p:grpSp>
+            <p:sp>
+              <p:nvSpPr>
+                <p:cNvPr id="53" name="角丸四角形吹き出し 52">
+                  <a:extLst>
+                    <a:ext uri="{FF2B5EF4-FFF2-40B4-BE49-F238E27FC236}">
+                      <a16:creationId xmlns:a16="http://schemas.microsoft.com/office/drawing/2014/main" id="{DB3F98BB-A86E-A34D-BF61-AC5C212AF3E8}"/>
+                    </a:ext>
+                  </a:extLst>
+                </p:cNvPr>
+                <p:cNvSpPr/>
+                <p:nvPr/>
+              </p:nvSpPr>
+              <p:spPr>
+                <a:xfrm>
+                  <a:off x="14270428" y="4438026"/>
+                  <a:ext cx="3639733" cy="1442523"/>
+                </a:xfrm>
+                <a:prstGeom prst="wedgeRoundRectCallout">
+                  <a:avLst>
+                    <a:gd name="adj1" fmla="val -42507"/>
+                    <a:gd name="adj2" fmla="val 80970"/>
+                    <a:gd name="adj3" fmla="val 16667"/>
+                  </a:avLst>
+                </a:prstGeom>
+                <a:ln>
+                  <a:noFill/>
+                </a:ln>
+              </p:spPr>
+              <p:style>
+                <a:lnRef idx="2">
+                  <a:schemeClr val="accent1">
+                    <a:shade val="50000"/>
+                  </a:schemeClr>
+                </a:lnRef>
+                <a:fillRef idx="1">
+                  <a:schemeClr val="accent1"/>
+                </a:fillRef>
+                <a:effectRef idx="0">
+                  <a:schemeClr val="accent1"/>
+                </a:effectRef>
+                <a:fontRef idx="minor">
+                  <a:schemeClr val="lt1"/>
+                </a:fontRef>
+              </p:style>
+              <p:txBody>
+                <a:bodyPr rtlCol="0" anchor="ctr"/>
+                <a:lstStyle/>
+                <a:p>
+                  <a:pPr algn="ctr"/>
+                  <a:r>
+                    <a:rPr kumimoji="1" lang="ja-JP" altLang="en-US"/>
+                    <a:t>ピザより</a:t>
+                  </a:r>
+                  <a:endParaRPr kumimoji="1" lang="en-US" altLang="ja-JP" dirty="0"/>
+                </a:p>
+                <a:p>
+                  <a:pPr algn="ctr"/>
+                  <a:r>
+                    <a:rPr kumimoji="1" lang="ja-JP" altLang="en-US"/>
+                    <a:t>パスタが好き</a:t>
+                  </a:r>
+                </a:p>
+              </p:txBody>
+            </p:sp>
+          </p:grpSp>
+        </p:grpSp>
+      </p:grpSp>
+    </p:spTree>
+    <p:extLst>
+      <p:ext uri="{BB962C8B-B14F-4D97-AF65-F5344CB8AC3E}">
+        <p14:creationId xmlns:p14="http://schemas.microsoft.com/office/powerpoint/2010/main" val="3646078773"/>
+      </p:ext>
+    </p:extLst>
+  </p:cSld>
+  <p:clrMapOvr>
+    <a:masterClrMapping/>
+  </p:clrMapOvr>
+</p:sld>
+</file>
+
+<file path=ppt/slides/slide7.xml><?xml version="1.0" encoding="utf-8"?>
+<p:sld xmlns:a="http://schemas.openxmlformats.org/drawingml/2006/main" xmlns:r="http://schemas.openxmlformats.org/officeDocument/2006/relationships" xmlns:p="http://schemas.openxmlformats.org/presentationml/2006/main">
+  <p:cSld>
+    <p:spTree>
+      <p:nvGrpSpPr>
+        <p:cNvPr id="1" name=""/>
+        <p:cNvGrpSpPr/>
+        <p:nvPr/>
+      </p:nvGrpSpPr>
+      <p:grpSpPr>
+        <a:xfrm>
+          <a:off x="0" y="0"/>
+          <a:ext cx="0" cy="0"/>
+          <a:chOff x="0" y="0"/>
+          <a:chExt cx="0" cy="0"/>
+        </a:xfrm>
+      </p:grpSpPr>
       <p:sp>
         <p:nvSpPr>
-          <p:cNvPr id="19" name="三角形 18">
+          <p:cNvPr id="2" name="日付プレースホルダー 1">
             <a:extLst>
               <a:ext uri="{FF2B5EF4-FFF2-40B4-BE49-F238E27FC236}">
-                <a16:creationId xmlns:a16="http://schemas.microsoft.com/office/drawing/2014/main" id="{5A1E2416-719A-5F49-8CBA-5D9DC0A4E4D0}"/>
+                <a16:creationId xmlns:a16="http://schemas.microsoft.com/office/drawing/2014/main" id="{13520CDD-7107-D140-A1A0-69D0D69B10F3}"/>
+              </a:ext>
+            </a:extLst>
+          </p:cNvPr>
+          <p:cNvSpPr>
+            <a:spLocks noGrp="1"/>
+          </p:cNvSpPr>
+          <p:nvPr>
+            <p:ph type="dt" sz="half" idx="10"/>
+          </p:nvPr>
+        </p:nvSpPr>
+        <p:spPr/>
+        <p:txBody>
+          <a:bodyPr/>
+          <a:lstStyle/>
+          <a:p>
+            <a:fld id="{35974365-84F6-754A-A339-DA79FFD42E98}" type="datetime1">
+              <a:rPr lang="ja-JP" altLang="en-US" smtClean="0"/>
+              <a:t>2018/6/4</a:t>
+            </a:fld>
+            <a:endParaRPr lang="ja-JP" altLang="en-US"/>
+          </a:p>
+        </p:txBody>
+      </p:sp>
+      <p:sp>
+        <p:nvSpPr>
+          <p:cNvPr id="3" name="フッター プレースホルダー 2">
+            <a:extLst>
+              <a:ext uri="{FF2B5EF4-FFF2-40B4-BE49-F238E27FC236}">
+                <a16:creationId xmlns:a16="http://schemas.microsoft.com/office/drawing/2014/main" id="{6EEFBA0C-3454-8D4D-87CE-5BA9ED8AFBE5}"/>
+              </a:ext>
+            </a:extLst>
+          </p:cNvPr>
+          <p:cNvSpPr>
+            <a:spLocks noGrp="1"/>
+          </p:cNvSpPr>
+          <p:nvPr>
+            <p:ph type="ftr" sz="quarter" idx="11"/>
+          </p:nvPr>
+        </p:nvSpPr>
+        <p:spPr/>
+        <p:txBody>
+          <a:bodyPr/>
+          <a:lstStyle/>
+          <a:p>
+            <a:r>
+              <a:rPr lang="ja-JP" altLang="en-US"/>
+              <a:t>進捗報告</a:t>
+            </a:r>
+            <a:r>
+              <a:rPr lang="en-US" altLang="ja-JP"/>
+              <a:t>(2018.06.06)</a:t>
+            </a:r>
+            <a:endParaRPr lang="ja-JP" altLang="en-US"/>
+          </a:p>
+        </p:txBody>
+      </p:sp>
+      <p:sp>
+        <p:nvSpPr>
+          <p:cNvPr id="4" name="スライド番号プレースホルダー 3">
+            <a:extLst>
+              <a:ext uri="{FF2B5EF4-FFF2-40B4-BE49-F238E27FC236}">
+                <a16:creationId xmlns:a16="http://schemas.microsoft.com/office/drawing/2014/main" id="{5D405AD0-9091-A94B-BA67-32995AD15B35}"/>
+              </a:ext>
+            </a:extLst>
+          </p:cNvPr>
+          <p:cNvSpPr>
+            <a:spLocks noGrp="1"/>
+          </p:cNvSpPr>
+          <p:nvPr>
+            <p:ph type="sldNum" sz="quarter" idx="12"/>
+          </p:nvPr>
+        </p:nvSpPr>
+        <p:spPr/>
+        <p:txBody>
+          <a:bodyPr/>
+          <a:lstStyle/>
+          <a:p>
+            <a:fld id="{89242BC1-393D-1248-985B-18DA624F2964}" type="slidenum">
+              <a:rPr lang="ja-JP" altLang="en-US" smtClean="0"/>
+              <a:pPr/>
+              <a:t>7</a:t>
+            </a:fld>
+            <a:endParaRPr lang="ja-JP" altLang="en-US"/>
+          </a:p>
+        </p:txBody>
+      </p:sp>
+      <p:sp>
+        <p:nvSpPr>
+          <p:cNvPr id="5" name="テキスト プレースホルダー 4">
+            <a:extLst>
+              <a:ext uri="{FF2B5EF4-FFF2-40B4-BE49-F238E27FC236}">
+                <a16:creationId xmlns:a16="http://schemas.microsoft.com/office/drawing/2014/main" id="{26DD2A8D-F804-D546-B77D-9693A67C3E0B}"/>
+              </a:ext>
+            </a:extLst>
+          </p:cNvPr>
+          <p:cNvSpPr>
+            <a:spLocks noGrp="1"/>
+          </p:cNvSpPr>
+          <p:nvPr>
+            <p:ph type="body" sz="quarter" idx="14"/>
+          </p:nvPr>
+        </p:nvSpPr>
+        <p:spPr/>
+        <p:txBody>
+          <a:bodyPr/>
+          <a:lstStyle/>
+          <a:p>
+            <a:r>
+              <a:rPr lang="ja-JP" altLang="en-US"/>
+              <a:t>文献講読</a:t>
+            </a:r>
+            <a:endParaRPr kumimoji="1" lang="ja-JP" altLang="en-US"/>
+          </a:p>
+        </p:txBody>
+      </p:sp>
+      <p:sp>
+        <p:nvSpPr>
+          <p:cNvPr id="6" name="テキスト プレースホルダー 5">
+            <a:extLst>
+              <a:ext uri="{FF2B5EF4-FFF2-40B4-BE49-F238E27FC236}">
+                <a16:creationId xmlns:a16="http://schemas.microsoft.com/office/drawing/2014/main" id="{18F5D246-4675-9D44-B96B-BEDD6F01EDA7}"/>
+              </a:ext>
+            </a:extLst>
+          </p:cNvPr>
+          <p:cNvSpPr>
+            <a:spLocks noGrp="1"/>
+          </p:cNvSpPr>
+          <p:nvPr>
+            <p:ph type="body" sz="quarter" idx="13"/>
+          </p:nvPr>
+        </p:nvSpPr>
+        <p:spPr/>
+        <p:txBody>
+          <a:bodyPr/>
+          <a:lstStyle/>
+          <a:p>
+            <a:r>
+              <a:rPr lang="en-US" altLang="ja-JP" dirty="0"/>
+              <a:t>2</a:t>
+            </a:r>
+            <a:endParaRPr kumimoji="1" lang="ja-JP" altLang="en-US"/>
+          </a:p>
+        </p:txBody>
+      </p:sp>
+      <p:grpSp>
+        <p:nvGrpSpPr>
+          <p:cNvPr id="31" name="グループ化 30">
+            <a:extLst>
+              <a:ext uri="{FF2B5EF4-FFF2-40B4-BE49-F238E27FC236}">
+                <a16:creationId xmlns:a16="http://schemas.microsoft.com/office/drawing/2014/main" id="{FD81DDC5-24B5-F24B-8DCA-6543CEE8DC81}"/>
+              </a:ext>
+            </a:extLst>
+          </p:cNvPr>
+          <p:cNvGrpSpPr/>
+          <p:nvPr/>
+        </p:nvGrpSpPr>
+        <p:grpSpPr>
+          <a:xfrm>
+            <a:off x="289330" y="1413298"/>
+            <a:ext cx="2160000" cy="934436"/>
+            <a:chOff x="144665" y="525617"/>
+            <a:chExt cx="1080000" cy="467218"/>
+          </a:xfrm>
+        </p:grpSpPr>
+        <p:sp>
+          <p:nvSpPr>
+            <p:cNvPr id="32" name="正方形/長方形 31">
+              <a:extLst>
+                <a:ext uri="{FF2B5EF4-FFF2-40B4-BE49-F238E27FC236}">
+                  <a16:creationId xmlns:a16="http://schemas.microsoft.com/office/drawing/2014/main" id="{073638CC-28A2-E943-AD34-548A0C227633}"/>
+                </a:ext>
+              </a:extLst>
+            </p:cNvPr>
+            <p:cNvSpPr/>
+            <p:nvPr userDrawn="1"/>
+          </p:nvSpPr>
+          <p:spPr>
+            <a:xfrm>
+              <a:off x="145524" y="542424"/>
+              <a:ext cx="91081" cy="450411"/>
+            </a:xfrm>
+            <a:prstGeom prst="rect">
+              <a:avLst/>
+            </a:prstGeom>
+            <a:solidFill>
+              <a:schemeClr val="accent1"/>
+            </a:solidFill>
+            <a:ln>
+              <a:noFill/>
+            </a:ln>
+          </p:spPr>
+          <p:style>
+            <a:lnRef idx="2">
+              <a:schemeClr val="accent1">
+                <a:shade val="50000"/>
+              </a:schemeClr>
+            </a:lnRef>
+            <a:fillRef idx="1">
+              <a:schemeClr val="accent1"/>
+            </a:fillRef>
+            <a:effectRef idx="0">
+              <a:schemeClr val="accent1"/>
+            </a:effectRef>
+            <a:fontRef idx="minor">
+              <a:schemeClr val="lt1"/>
+            </a:fontRef>
+          </p:style>
+          <p:txBody>
+            <a:bodyPr rot="0" spcFirstLastPara="0" vertOverflow="overflow" horzOverflow="overflow" vert="horz" wrap="square" lIns="68580" tIns="34290" rIns="68580" bIns="34290" numCol="1" spcCol="0" rtlCol="0" fromWordArt="0" anchor="ctr" anchorCtr="0" forceAA="0" compatLnSpc="1">
+              <a:prstTxWarp prst="textNoShape">
+                <a:avLst/>
+              </a:prstTxWarp>
+              <a:noAutofit/>
+            </a:bodyPr>
+            <a:lstStyle/>
+            <a:p>
+              <a:pPr algn="ctr"/>
+              <a:endParaRPr kumimoji="1" lang="ja-JP" altLang="en-US" sz="2700"/>
+            </a:p>
+          </p:txBody>
+        </p:sp>
+        <p:sp>
+          <p:nvSpPr>
+            <p:cNvPr id="33" name="正方形/長方形 32">
+              <a:extLst>
+                <a:ext uri="{FF2B5EF4-FFF2-40B4-BE49-F238E27FC236}">
+                  <a16:creationId xmlns:a16="http://schemas.microsoft.com/office/drawing/2014/main" id="{89C51296-914D-A74C-889D-A570C54F6A57}"/>
+                </a:ext>
+              </a:extLst>
+            </p:cNvPr>
+            <p:cNvSpPr/>
+            <p:nvPr userDrawn="1"/>
+          </p:nvSpPr>
+          <p:spPr>
+            <a:xfrm>
+              <a:off x="144665" y="525617"/>
+              <a:ext cx="1080000" cy="16137"/>
+            </a:xfrm>
+            <a:prstGeom prst="rect">
+              <a:avLst/>
+            </a:prstGeom>
+            <a:solidFill>
+              <a:schemeClr val="accent1"/>
+            </a:solidFill>
+            <a:ln>
+              <a:noFill/>
+            </a:ln>
+          </p:spPr>
+          <p:style>
+            <a:lnRef idx="2">
+              <a:schemeClr val="accent1">
+                <a:shade val="50000"/>
+              </a:schemeClr>
+            </a:lnRef>
+            <a:fillRef idx="1">
+              <a:schemeClr val="accent1"/>
+            </a:fillRef>
+            <a:effectRef idx="0">
+              <a:schemeClr val="accent1"/>
+            </a:effectRef>
+            <a:fontRef idx="minor">
+              <a:schemeClr val="lt1"/>
+            </a:fontRef>
+          </p:style>
+          <p:txBody>
+            <a:bodyPr rot="0" spcFirstLastPara="0" vertOverflow="overflow" horzOverflow="overflow" vert="horz" wrap="square" lIns="68580" tIns="34290" rIns="68580" bIns="34290" numCol="1" spcCol="0" rtlCol="0" fromWordArt="0" anchor="ctr" anchorCtr="0" forceAA="0" compatLnSpc="1">
+              <a:prstTxWarp prst="textNoShape">
+                <a:avLst/>
+              </a:prstTxWarp>
+              <a:noAutofit/>
+            </a:bodyPr>
+            <a:lstStyle/>
+            <a:p>
+              <a:pPr algn="ctr"/>
+              <a:endParaRPr kumimoji="1" lang="ja-JP" altLang="en-US" sz="2700"/>
+            </a:p>
+          </p:txBody>
+        </p:sp>
+      </p:grpSp>
+      <p:grpSp>
+        <p:nvGrpSpPr>
+          <p:cNvPr id="34" name="グループ化 33">
+            <a:extLst>
+              <a:ext uri="{FF2B5EF4-FFF2-40B4-BE49-F238E27FC236}">
+                <a16:creationId xmlns:a16="http://schemas.microsoft.com/office/drawing/2014/main" id="{FC0C993D-26F8-9648-8C42-6E3A827F97DE}"/>
+              </a:ext>
+            </a:extLst>
+          </p:cNvPr>
+          <p:cNvGrpSpPr/>
+          <p:nvPr/>
+        </p:nvGrpSpPr>
+        <p:grpSpPr>
+          <a:xfrm>
+            <a:off x="617232" y="2557358"/>
+            <a:ext cx="539448" cy="487368"/>
+            <a:chOff x="400056" y="1061560"/>
+            <a:chExt cx="269724" cy="243684"/>
+          </a:xfrm>
+        </p:grpSpPr>
+        <p:sp>
+          <p:nvSpPr>
+            <p:cNvPr id="35" name="三角形 34">
+              <a:extLst>
+                <a:ext uri="{FF2B5EF4-FFF2-40B4-BE49-F238E27FC236}">
+                  <a16:creationId xmlns:a16="http://schemas.microsoft.com/office/drawing/2014/main" id="{21EC1BB2-1EA3-DB45-83ED-42197AA1F0E3}"/>
+                </a:ext>
+              </a:extLst>
+            </p:cNvPr>
+            <p:cNvSpPr/>
+            <p:nvPr userDrawn="1"/>
+          </p:nvSpPr>
+          <p:spPr>
+            <a:xfrm rot="5400000">
+              <a:off x="359835" y="1105015"/>
+              <a:ext cx="240450" cy="160008"/>
+            </a:xfrm>
+            <a:prstGeom prst="triangle">
+              <a:avLst/>
+            </a:prstGeom>
+            <a:solidFill>
+              <a:schemeClr val="accent1"/>
+            </a:solidFill>
+            <a:ln>
+              <a:noFill/>
+            </a:ln>
+          </p:spPr>
+          <p:style>
+            <a:lnRef idx="0">
+              <a:scrgbClr r="0" g="0" b="0"/>
+            </a:lnRef>
+            <a:fillRef idx="0">
+              <a:scrgbClr r="0" g="0" b="0"/>
+            </a:fillRef>
+            <a:effectRef idx="0">
+              <a:scrgbClr r="0" g="0" b="0"/>
+            </a:effectRef>
+            <a:fontRef idx="minor">
+              <a:schemeClr val="lt1"/>
+            </a:fontRef>
+          </p:style>
+          <p:txBody>
+            <a:bodyPr rtlCol="0" anchor="ctr"/>
+            <a:lstStyle/>
+            <a:p>
+              <a:pPr algn="ctr"/>
+              <a:endParaRPr kumimoji="1" lang="ja-JP" altLang="en-US" sz="7200"/>
+            </a:p>
+          </p:txBody>
+        </p:sp>
+        <p:sp>
+          <p:nvSpPr>
+            <p:cNvPr id="36" name="三角形 35">
+              <a:extLst>
+                <a:ext uri="{FF2B5EF4-FFF2-40B4-BE49-F238E27FC236}">
+                  <a16:creationId xmlns:a16="http://schemas.microsoft.com/office/drawing/2014/main" id="{92822503-D36D-7644-A490-99EB8A1079E7}"/>
+                </a:ext>
+              </a:extLst>
+            </p:cNvPr>
+            <p:cNvSpPr/>
+            <p:nvPr userDrawn="1"/>
+          </p:nvSpPr>
+          <p:spPr>
+            <a:xfrm rot="5400000">
+              <a:off x="469551" y="1101781"/>
+              <a:ext cx="240450" cy="160008"/>
+            </a:xfrm>
+            <a:prstGeom prst="triangle">
+              <a:avLst/>
+            </a:prstGeom>
+            <a:solidFill>
+              <a:schemeClr val="accent1"/>
+            </a:solidFill>
+            <a:ln>
+              <a:noFill/>
+            </a:ln>
+          </p:spPr>
+          <p:style>
+            <a:lnRef idx="0">
+              <a:scrgbClr r="0" g="0" b="0"/>
+            </a:lnRef>
+            <a:fillRef idx="0">
+              <a:scrgbClr r="0" g="0" b="0"/>
+            </a:fillRef>
+            <a:effectRef idx="0">
+              <a:scrgbClr r="0" g="0" b="0"/>
+            </a:effectRef>
+            <a:fontRef idx="minor">
+              <a:schemeClr val="lt1"/>
+            </a:fontRef>
+          </p:style>
+          <p:txBody>
+            <a:bodyPr rtlCol="0" anchor="ctr"/>
+            <a:lstStyle/>
+            <a:p>
+              <a:pPr algn="ctr"/>
+              <a:endParaRPr kumimoji="1" lang="ja-JP" altLang="en-US" sz="7200"/>
+            </a:p>
+          </p:txBody>
+        </p:sp>
+      </p:grpSp>
+      <p:sp>
+        <p:nvSpPr>
+          <p:cNvPr id="37" name="テキスト プレースホルダー 30">
+            <a:extLst>
+              <a:ext uri="{FF2B5EF4-FFF2-40B4-BE49-F238E27FC236}">
+                <a16:creationId xmlns:a16="http://schemas.microsoft.com/office/drawing/2014/main" id="{A73B3907-668E-1A41-B5F4-6D46EA930E91}"/>
+              </a:ext>
+            </a:extLst>
+          </p:cNvPr>
+          <p:cNvSpPr txBox="1">
+            <a:spLocks/>
+          </p:cNvSpPr>
+          <p:nvPr/>
+        </p:nvSpPr>
+        <p:spPr>
+          <a:xfrm>
+            <a:off x="571049" y="1583871"/>
+            <a:ext cx="17302163" cy="1403350"/>
+          </a:xfrm>
+          <a:prstGeom prst="rect">
+            <a:avLst/>
+          </a:prstGeom>
+        </p:spPr>
+        <p:txBody>
+          <a:bodyPr>
+            <a:normAutofit/>
+          </a:bodyPr>
+          <a:lstStyle>
+            <a:lvl1pPr marL="0" indent="0" algn="l" defTabSz="1828800" rtl="0" eaLnBrk="1" latinLnBrk="0" hangingPunct="1">
+              <a:lnSpc>
+                <a:spcPct val="90000"/>
+              </a:lnSpc>
+              <a:spcBef>
+                <a:spcPts val="2000"/>
+              </a:spcBef>
+              <a:buFont typeface="Arial" panose="020B0604020202020204" pitchFamily="34" charset="0"/>
+              <a:buNone/>
+              <a:defRPr kumimoji="1" sz="6000" kern="1200">
+                <a:solidFill>
+                  <a:schemeClr val="tx1"/>
+                </a:solidFill>
+                <a:latin typeface="+mn-lt"/>
+                <a:ea typeface="+mn-ea"/>
+                <a:cs typeface="+mn-cs"/>
+              </a:defRPr>
+            </a:lvl1pPr>
+            <a:lvl2pPr marL="1371600" indent="-457200" algn="l" defTabSz="1828800" rtl="0" eaLnBrk="1" latinLnBrk="0" hangingPunct="1">
+              <a:lnSpc>
+                <a:spcPct val="90000"/>
+              </a:lnSpc>
+              <a:spcBef>
+                <a:spcPts val="1000"/>
+              </a:spcBef>
+              <a:buFont typeface="Arial" panose="020B0604020202020204" pitchFamily="34" charset="0"/>
+              <a:buChar char="•"/>
+              <a:defRPr kumimoji="1" sz="4800" kern="1200">
+                <a:solidFill>
+                  <a:schemeClr val="tx1"/>
+                </a:solidFill>
+                <a:latin typeface="+mn-lt"/>
+                <a:ea typeface="+mn-ea"/>
+                <a:cs typeface="+mn-cs"/>
+              </a:defRPr>
+            </a:lvl2pPr>
+            <a:lvl3pPr marL="2286000" indent="-457200" algn="l" defTabSz="1828800" rtl="0" eaLnBrk="1" latinLnBrk="0" hangingPunct="1">
+              <a:lnSpc>
+                <a:spcPct val="90000"/>
+              </a:lnSpc>
+              <a:spcBef>
+                <a:spcPts val="1000"/>
+              </a:spcBef>
+              <a:buFont typeface="Arial" panose="020B0604020202020204" pitchFamily="34" charset="0"/>
+              <a:buChar char="•"/>
+              <a:defRPr kumimoji="1" sz="4000" kern="1200">
+                <a:solidFill>
+                  <a:schemeClr val="tx1"/>
+                </a:solidFill>
+                <a:latin typeface="+mn-lt"/>
+                <a:ea typeface="+mn-ea"/>
+                <a:cs typeface="+mn-cs"/>
+              </a:defRPr>
+            </a:lvl3pPr>
+            <a:lvl4pPr marL="3200400" indent="-457200" algn="l" defTabSz="1828800" rtl="0" eaLnBrk="1" latinLnBrk="0" hangingPunct="1">
+              <a:lnSpc>
+                <a:spcPct val="90000"/>
+              </a:lnSpc>
+              <a:spcBef>
+                <a:spcPts val="1000"/>
+              </a:spcBef>
+              <a:buFont typeface="Arial" panose="020B0604020202020204" pitchFamily="34" charset="0"/>
+              <a:buChar char="•"/>
+              <a:defRPr kumimoji="1" sz="3600" kern="1200">
+                <a:solidFill>
+                  <a:schemeClr val="tx1"/>
+                </a:solidFill>
+                <a:latin typeface="+mn-lt"/>
+                <a:ea typeface="+mn-ea"/>
+                <a:cs typeface="+mn-cs"/>
+              </a:defRPr>
+            </a:lvl4pPr>
+            <a:lvl5pPr marL="4114800" indent="-457200" algn="l" defTabSz="1828800" rtl="0" eaLnBrk="1" latinLnBrk="0" hangingPunct="1">
+              <a:lnSpc>
+                <a:spcPct val="90000"/>
+              </a:lnSpc>
+              <a:spcBef>
+                <a:spcPts val="1000"/>
+              </a:spcBef>
+              <a:buFont typeface="Arial" panose="020B0604020202020204" pitchFamily="34" charset="0"/>
+              <a:buChar char="•"/>
+              <a:defRPr kumimoji="1" sz="3600" kern="1200">
+                <a:solidFill>
+                  <a:schemeClr val="tx1"/>
+                </a:solidFill>
+                <a:latin typeface="+mn-lt"/>
+                <a:ea typeface="+mn-ea"/>
+                <a:cs typeface="+mn-cs"/>
+              </a:defRPr>
+            </a:lvl5pPr>
+            <a:lvl6pPr marL="5029200" indent="-457200" algn="l" defTabSz="1828800" rtl="0" eaLnBrk="1" latinLnBrk="0" hangingPunct="1">
+              <a:lnSpc>
+                <a:spcPct val="90000"/>
+              </a:lnSpc>
+              <a:spcBef>
+                <a:spcPts val="1000"/>
+              </a:spcBef>
+              <a:buFont typeface="Arial" panose="020B0604020202020204" pitchFamily="34" charset="0"/>
+              <a:buChar char="•"/>
+              <a:defRPr kumimoji="1" sz="3600" kern="1200">
+                <a:solidFill>
+                  <a:schemeClr val="tx1"/>
+                </a:solidFill>
+                <a:latin typeface="+mn-lt"/>
+                <a:ea typeface="+mn-ea"/>
+                <a:cs typeface="+mn-cs"/>
+              </a:defRPr>
+            </a:lvl6pPr>
+            <a:lvl7pPr marL="5943600" indent="-457200" algn="l" defTabSz="1828800" rtl="0" eaLnBrk="1" latinLnBrk="0" hangingPunct="1">
+              <a:lnSpc>
+                <a:spcPct val="90000"/>
+              </a:lnSpc>
+              <a:spcBef>
+                <a:spcPts val="1000"/>
+              </a:spcBef>
+              <a:buFont typeface="Arial" panose="020B0604020202020204" pitchFamily="34" charset="0"/>
+              <a:buChar char="•"/>
+              <a:defRPr kumimoji="1" sz="3600" kern="1200">
+                <a:solidFill>
+                  <a:schemeClr val="tx1"/>
+                </a:solidFill>
+                <a:latin typeface="+mn-lt"/>
+                <a:ea typeface="+mn-ea"/>
+                <a:cs typeface="+mn-cs"/>
+              </a:defRPr>
+            </a:lvl7pPr>
+            <a:lvl8pPr marL="6858000" indent="-457200" algn="l" defTabSz="1828800" rtl="0" eaLnBrk="1" latinLnBrk="0" hangingPunct="1">
+              <a:lnSpc>
+                <a:spcPct val="90000"/>
+              </a:lnSpc>
+              <a:spcBef>
+                <a:spcPts val="1000"/>
+              </a:spcBef>
+              <a:buFont typeface="Arial" panose="020B0604020202020204" pitchFamily="34" charset="0"/>
+              <a:buChar char="•"/>
+              <a:defRPr kumimoji="1" sz="3600" kern="1200">
+                <a:solidFill>
+                  <a:schemeClr val="tx1"/>
+                </a:solidFill>
+                <a:latin typeface="+mn-lt"/>
+                <a:ea typeface="+mn-ea"/>
+                <a:cs typeface="+mn-cs"/>
+              </a:defRPr>
+            </a:lvl8pPr>
+            <a:lvl9pPr marL="7772400" indent="-457200" algn="l" defTabSz="1828800" rtl="0" eaLnBrk="1" latinLnBrk="0" hangingPunct="1">
+              <a:lnSpc>
+                <a:spcPct val="90000"/>
+              </a:lnSpc>
+              <a:spcBef>
+                <a:spcPts val="1000"/>
+              </a:spcBef>
+              <a:buFont typeface="Arial" panose="020B0604020202020204" pitchFamily="34" charset="0"/>
+              <a:buChar char="•"/>
+              <a:defRPr kumimoji="1" sz="3600" kern="1200">
+                <a:solidFill>
+                  <a:schemeClr val="tx1"/>
+                </a:solidFill>
+                <a:latin typeface="+mn-lt"/>
+                <a:ea typeface="+mn-ea"/>
+                <a:cs typeface="+mn-cs"/>
+              </a:defRPr>
+            </a:lvl9pPr>
+          </a:lstStyle>
+          <a:p>
+            <a:r>
+              <a:rPr lang="ja-JP" altLang="en-US"/>
+              <a:t>文献内容</a:t>
+            </a:r>
+          </a:p>
+        </p:txBody>
+      </p:sp>
+      <p:sp>
+        <p:nvSpPr>
+          <p:cNvPr id="38" name="テキスト プレースホルダー 27">
+            <a:extLst>
+              <a:ext uri="{FF2B5EF4-FFF2-40B4-BE49-F238E27FC236}">
+                <a16:creationId xmlns:a16="http://schemas.microsoft.com/office/drawing/2014/main" id="{52FC6201-0015-374A-A9F7-4FCF0162EFE8}"/>
+              </a:ext>
+            </a:extLst>
+          </p:cNvPr>
+          <p:cNvSpPr txBox="1">
+            <a:spLocks/>
+          </p:cNvSpPr>
+          <p:nvPr/>
+        </p:nvSpPr>
+        <p:spPr>
+          <a:xfrm>
+            <a:off x="1254486" y="2484733"/>
+            <a:ext cx="17551674" cy="1721508"/>
+          </a:xfrm>
+          <a:prstGeom prst="rect">
+            <a:avLst/>
+          </a:prstGeom>
+        </p:spPr>
+        <p:txBody>
+          <a:bodyPr>
+            <a:normAutofit/>
+          </a:bodyPr>
+          <a:lstStyle>
+            <a:lvl1pPr marL="0" indent="0" algn="l" defTabSz="1828800" rtl="0" eaLnBrk="1" latinLnBrk="0" hangingPunct="1">
+              <a:lnSpc>
+                <a:spcPct val="90000"/>
+              </a:lnSpc>
+              <a:spcBef>
+                <a:spcPts val="2000"/>
+              </a:spcBef>
+              <a:buFont typeface="Arial" panose="020B0604020202020204" pitchFamily="34" charset="0"/>
+              <a:buNone/>
+              <a:defRPr kumimoji="1" sz="4800" kern="1200">
+                <a:solidFill>
+                  <a:srgbClr val="424242"/>
+                </a:solidFill>
+                <a:latin typeface="+mn-lt"/>
+                <a:ea typeface="+mn-ea"/>
+                <a:cs typeface="+mn-cs"/>
+              </a:defRPr>
+            </a:lvl1pPr>
+            <a:lvl2pPr marL="1371600" indent="-457200" algn="l" defTabSz="1828800" rtl="0" eaLnBrk="1" latinLnBrk="0" hangingPunct="1">
+              <a:lnSpc>
+                <a:spcPct val="90000"/>
+              </a:lnSpc>
+              <a:spcBef>
+                <a:spcPts val="1000"/>
+              </a:spcBef>
+              <a:buFont typeface="Arial" panose="020B0604020202020204" pitchFamily="34" charset="0"/>
+              <a:buChar char="•"/>
+              <a:defRPr kumimoji="1" sz="4800" kern="1200">
+                <a:solidFill>
+                  <a:schemeClr val="tx1"/>
+                </a:solidFill>
+                <a:latin typeface="+mn-lt"/>
+                <a:ea typeface="+mn-ea"/>
+                <a:cs typeface="+mn-cs"/>
+              </a:defRPr>
+            </a:lvl2pPr>
+            <a:lvl3pPr marL="2286000" indent="-457200" algn="l" defTabSz="1828800" rtl="0" eaLnBrk="1" latinLnBrk="0" hangingPunct="1">
+              <a:lnSpc>
+                <a:spcPct val="90000"/>
+              </a:lnSpc>
+              <a:spcBef>
+                <a:spcPts val="1000"/>
+              </a:spcBef>
+              <a:buFont typeface="Arial" panose="020B0604020202020204" pitchFamily="34" charset="0"/>
+              <a:buChar char="•"/>
+              <a:defRPr kumimoji="1" sz="4000" kern="1200">
+                <a:solidFill>
+                  <a:schemeClr val="tx1"/>
+                </a:solidFill>
+                <a:latin typeface="+mn-lt"/>
+                <a:ea typeface="+mn-ea"/>
+                <a:cs typeface="+mn-cs"/>
+              </a:defRPr>
+            </a:lvl3pPr>
+            <a:lvl4pPr marL="3200400" indent="-457200" algn="l" defTabSz="1828800" rtl="0" eaLnBrk="1" latinLnBrk="0" hangingPunct="1">
+              <a:lnSpc>
+                <a:spcPct val="90000"/>
+              </a:lnSpc>
+              <a:spcBef>
+                <a:spcPts val="1000"/>
+              </a:spcBef>
+              <a:buFont typeface="Arial" panose="020B0604020202020204" pitchFamily="34" charset="0"/>
+              <a:buChar char="•"/>
+              <a:defRPr kumimoji="1" sz="3600" kern="1200">
+                <a:solidFill>
+                  <a:schemeClr val="tx1"/>
+                </a:solidFill>
+                <a:latin typeface="+mn-lt"/>
+                <a:ea typeface="+mn-ea"/>
+                <a:cs typeface="+mn-cs"/>
+              </a:defRPr>
+            </a:lvl4pPr>
+            <a:lvl5pPr marL="4114800" indent="-457200" algn="l" defTabSz="1828800" rtl="0" eaLnBrk="1" latinLnBrk="0" hangingPunct="1">
+              <a:lnSpc>
+                <a:spcPct val="90000"/>
+              </a:lnSpc>
+              <a:spcBef>
+                <a:spcPts val="1000"/>
+              </a:spcBef>
+              <a:buFont typeface="Arial" panose="020B0604020202020204" pitchFamily="34" charset="0"/>
+              <a:buChar char="•"/>
+              <a:defRPr kumimoji="1" sz="3600" kern="1200">
+                <a:solidFill>
+                  <a:schemeClr val="tx1"/>
+                </a:solidFill>
+                <a:latin typeface="+mn-lt"/>
+                <a:ea typeface="+mn-ea"/>
+                <a:cs typeface="+mn-cs"/>
+              </a:defRPr>
+            </a:lvl5pPr>
+            <a:lvl6pPr marL="5029200" indent="-457200" algn="l" defTabSz="1828800" rtl="0" eaLnBrk="1" latinLnBrk="0" hangingPunct="1">
+              <a:lnSpc>
+                <a:spcPct val="90000"/>
+              </a:lnSpc>
+              <a:spcBef>
+                <a:spcPts val="1000"/>
+              </a:spcBef>
+              <a:buFont typeface="Arial" panose="020B0604020202020204" pitchFamily="34" charset="0"/>
+              <a:buChar char="•"/>
+              <a:defRPr kumimoji="1" sz="3600" kern="1200">
+                <a:solidFill>
+                  <a:schemeClr val="tx1"/>
+                </a:solidFill>
+                <a:latin typeface="+mn-lt"/>
+                <a:ea typeface="+mn-ea"/>
+                <a:cs typeface="+mn-cs"/>
+              </a:defRPr>
+            </a:lvl6pPr>
+            <a:lvl7pPr marL="5943600" indent="-457200" algn="l" defTabSz="1828800" rtl="0" eaLnBrk="1" latinLnBrk="0" hangingPunct="1">
+              <a:lnSpc>
+                <a:spcPct val="90000"/>
+              </a:lnSpc>
+              <a:spcBef>
+                <a:spcPts val="1000"/>
+              </a:spcBef>
+              <a:buFont typeface="Arial" panose="020B0604020202020204" pitchFamily="34" charset="0"/>
+              <a:buChar char="•"/>
+              <a:defRPr kumimoji="1" sz="3600" kern="1200">
+                <a:solidFill>
+                  <a:schemeClr val="tx1"/>
+                </a:solidFill>
+                <a:latin typeface="+mn-lt"/>
+                <a:ea typeface="+mn-ea"/>
+                <a:cs typeface="+mn-cs"/>
+              </a:defRPr>
+            </a:lvl7pPr>
+            <a:lvl8pPr marL="6858000" indent="-457200" algn="l" defTabSz="1828800" rtl="0" eaLnBrk="1" latinLnBrk="0" hangingPunct="1">
+              <a:lnSpc>
+                <a:spcPct val="90000"/>
+              </a:lnSpc>
+              <a:spcBef>
+                <a:spcPts val="1000"/>
+              </a:spcBef>
+              <a:buFont typeface="Arial" panose="020B0604020202020204" pitchFamily="34" charset="0"/>
+              <a:buChar char="•"/>
+              <a:defRPr kumimoji="1" sz="3600" kern="1200">
+                <a:solidFill>
+                  <a:schemeClr val="tx1"/>
+                </a:solidFill>
+                <a:latin typeface="+mn-lt"/>
+                <a:ea typeface="+mn-ea"/>
+                <a:cs typeface="+mn-cs"/>
+              </a:defRPr>
+            </a:lvl8pPr>
+            <a:lvl9pPr marL="7772400" indent="-457200" algn="l" defTabSz="1828800" rtl="0" eaLnBrk="1" latinLnBrk="0" hangingPunct="1">
+              <a:lnSpc>
+                <a:spcPct val="90000"/>
+              </a:lnSpc>
+              <a:spcBef>
+                <a:spcPts val="1000"/>
+              </a:spcBef>
+              <a:buFont typeface="Arial" panose="020B0604020202020204" pitchFamily="34" charset="0"/>
+              <a:buChar char="•"/>
+              <a:defRPr kumimoji="1" sz="3600" kern="1200">
+                <a:solidFill>
+                  <a:schemeClr val="tx1"/>
+                </a:solidFill>
+                <a:latin typeface="+mn-lt"/>
+                <a:ea typeface="+mn-ea"/>
+                <a:cs typeface="+mn-cs"/>
+              </a:defRPr>
+            </a:lvl9pPr>
+          </a:lstStyle>
+          <a:p>
+            <a:r>
+              <a:rPr lang="ja-JP" altLang="en-US"/>
+              <a:t>人間同士の交渉で生じる効果について調査</a:t>
+            </a:r>
+            <a:endParaRPr lang="en-US" altLang="ja-JP" dirty="0"/>
+          </a:p>
+        </p:txBody>
+      </p:sp>
+      <p:sp>
+        <p:nvSpPr>
+          <p:cNvPr id="57" name="三角形 56">
+            <a:extLst>
+              <a:ext uri="{FF2B5EF4-FFF2-40B4-BE49-F238E27FC236}">
+                <a16:creationId xmlns:a16="http://schemas.microsoft.com/office/drawing/2014/main" id="{7F703886-4132-A74D-B009-F1827BE6F3C7}"/>
               </a:ext>
             </a:extLst>
           </p:cNvPr>
@@ -10083,7 +12357,7 @@
         </p:nvSpPr>
         <p:spPr>
           <a:xfrm rot="5400000">
-            <a:off x="1076238" y="4116522"/>
+            <a:off x="1076238" y="3361776"/>
             <a:ext cx="480900" cy="320016"/>
           </a:xfrm>
           <a:prstGeom prst="triangle">
@@ -10121,10 +12395,10 @@
       </p:sp>
       <p:sp>
         <p:nvSpPr>
-          <p:cNvPr id="20" name="テキスト プレースホルダー 29">
+          <p:cNvPr id="58" name="テキスト プレースホルダー 29">
             <a:extLst>
               <a:ext uri="{FF2B5EF4-FFF2-40B4-BE49-F238E27FC236}">
-                <a16:creationId xmlns:a16="http://schemas.microsoft.com/office/drawing/2014/main" id="{70739402-757B-2B4C-A11E-2420B2613167}"/>
+                <a16:creationId xmlns:a16="http://schemas.microsoft.com/office/drawing/2014/main" id="{E23E8662-C802-5F46-BB63-19816491BB27}"/>
               </a:ext>
             </a:extLst>
           </p:cNvPr>
@@ -10135,7 +12409,7 @@
         </p:nvSpPr>
         <p:spPr>
           <a:xfrm>
-            <a:off x="1457090" y="4001248"/>
+            <a:off x="1457090" y="3246502"/>
             <a:ext cx="16135964" cy="853994"/>
           </a:xfrm>
           <a:prstGeom prst="rect">
@@ -10318,12 +12592,1614 @@
           </a:p>
         </p:txBody>
       </p:sp>
+      <p:grpSp>
+        <p:nvGrpSpPr>
+          <p:cNvPr id="63" name="グループ化 62">
+            <a:extLst>
+              <a:ext uri="{FF2B5EF4-FFF2-40B4-BE49-F238E27FC236}">
+                <a16:creationId xmlns:a16="http://schemas.microsoft.com/office/drawing/2014/main" id="{4AF44EA4-DDD9-7A4B-82C3-6107E4CBC512}"/>
+              </a:ext>
+            </a:extLst>
+          </p:cNvPr>
+          <p:cNvGrpSpPr/>
+          <p:nvPr/>
+        </p:nvGrpSpPr>
+        <p:grpSpPr>
+          <a:xfrm>
+            <a:off x="882225" y="4438026"/>
+            <a:ext cx="16523551" cy="7935264"/>
+            <a:chOff x="882225" y="4438026"/>
+            <a:chExt cx="16523551" cy="7935264"/>
+          </a:xfrm>
+        </p:grpSpPr>
+        <p:grpSp>
+          <p:nvGrpSpPr>
+            <p:cNvPr id="50" name="グループ化 49">
+              <a:extLst>
+                <a:ext uri="{FF2B5EF4-FFF2-40B4-BE49-F238E27FC236}">
+                  <a16:creationId xmlns:a16="http://schemas.microsoft.com/office/drawing/2014/main" id="{44C579FB-CF39-3249-8336-0628B0040FF5}"/>
+                </a:ext>
+              </a:extLst>
+            </p:cNvPr>
+            <p:cNvGrpSpPr/>
+            <p:nvPr/>
+          </p:nvGrpSpPr>
+          <p:grpSpPr>
+            <a:xfrm>
+              <a:off x="3216825" y="9472120"/>
+              <a:ext cx="11854350" cy="2901170"/>
+              <a:chOff x="2226339" y="9389213"/>
+              <a:chExt cx="11854350" cy="2901170"/>
+            </a:xfrm>
+          </p:grpSpPr>
+          <p:sp>
+            <p:nvSpPr>
+              <p:cNvPr id="40" name="テキスト ボックス 39">
+                <a:extLst>
+                  <a:ext uri="{FF2B5EF4-FFF2-40B4-BE49-F238E27FC236}">
+                    <a16:creationId xmlns:a16="http://schemas.microsoft.com/office/drawing/2014/main" id="{F60B8D23-A246-6747-8581-59ACD9297206}"/>
+                  </a:ext>
+                </a:extLst>
+              </p:cNvPr>
+              <p:cNvSpPr txBox="1"/>
+              <p:nvPr/>
+            </p:nvSpPr>
+            <p:spPr>
+              <a:xfrm>
+                <a:off x="5900499" y="11644052"/>
+                <a:ext cx="4506031" cy="646331"/>
+              </a:xfrm>
+              <a:prstGeom prst="rect">
+                <a:avLst/>
+              </a:prstGeom>
+              <a:noFill/>
+            </p:spPr>
+            <p:txBody>
+              <a:bodyPr wrap="square" rtlCol="0">
+                <a:spAutoFit/>
+              </a:bodyPr>
+              <a:lstStyle/>
+              <a:p>
+                <a:pPr algn="ctr"/>
+                <a:r>
+                  <a:rPr lang="ja-JP" altLang="en-US"/>
+                  <a:t>交渉内容</a:t>
+                </a:r>
+                <a:endParaRPr kumimoji="1" lang="ja-JP" altLang="en-US"/>
+              </a:p>
+            </p:txBody>
+          </p:sp>
+          <p:grpSp>
+            <p:nvGrpSpPr>
+              <p:cNvPr id="49" name="グループ化 48">
+                <a:extLst>
+                  <a:ext uri="{FF2B5EF4-FFF2-40B4-BE49-F238E27FC236}">
+                    <a16:creationId xmlns:a16="http://schemas.microsoft.com/office/drawing/2014/main" id="{2E2ADBC7-AB10-924A-B7D8-7021B6210437}"/>
+                  </a:ext>
+                </a:extLst>
+              </p:cNvPr>
+              <p:cNvGrpSpPr/>
+              <p:nvPr/>
+            </p:nvGrpSpPr>
+            <p:grpSpPr>
+              <a:xfrm>
+                <a:off x="2226339" y="9389213"/>
+                <a:ext cx="11854350" cy="2010101"/>
+                <a:chOff x="3821592" y="9287685"/>
+                <a:chExt cx="11854350" cy="2010101"/>
+              </a:xfrm>
+            </p:grpSpPr>
+            <p:pic>
+              <p:nvPicPr>
+                <p:cNvPr id="30" name="グラフィックス 29" descr="Pasta">
+                  <a:extLst>
+                    <a:ext uri="{FF2B5EF4-FFF2-40B4-BE49-F238E27FC236}">
+                      <a16:creationId xmlns:a16="http://schemas.microsoft.com/office/drawing/2014/main" id="{AA8AA5FC-3F62-0645-A9E4-2453CD589EDE}"/>
+                    </a:ext>
+                  </a:extLst>
+                </p:cNvPr>
+                <p:cNvPicPr>
+                  <a:picLocks noChangeAspect="1"/>
+                </p:cNvPicPr>
+                <p:nvPr/>
+              </p:nvPicPr>
+              <p:blipFill>
+                <a:blip r:embed="rId2">
+                  <a:extLst>
+                    <a:ext uri="{96DAC541-7B7A-43D3-8B79-37D633B846F1}">
+                      <asvg:svgBlip xmlns:asvg="http://schemas.microsoft.com/office/drawing/2016/SVG/main" r:embed="rId3"/>
+                    </a:ext>
+                  </a:extLst>
+                </a:blip>
+                <a:stretch>
+                  <a:fillRect/>
+                </a:stretch>
+              </p:blipFill>
+              <p:spPr>
+                <a:xfrm>
+                  <a:off x="10418892" y="9287685"/>
+                  <a:ext cx="1956819" cy="1956819"/>
+                </a:xfrm>
+                <a:prstGeom prst="rect">
+                  <a:avLst/>
+                </a:prstGeom>
+              </p:spPr>
+            </p:pic>
+            <p:pic>
+              <p:nvPicPr>
+                <p:cNvPr id="42" name="グラフィックス 41" descr="Pizza">
+                  <a:extLst>
+                    <a:ext uri="{FF2B5EF4-FFF2-40B4-BE49-F238E27FC236}">
+                      <a16:creationId xmlns:a16="http://schemas.microsoft.com/office/drawing/2014/main" id="{4D0D7605-57E1-2D47-980D-0B3E5E228B1E}"/>
+                    </a:ext>
+                  </a:extLst>
+                </p:cNvPr>
+                <p:cNvPicPr>
+                  <a:picLocks noChangeAspect="1"/>
+                </p:cNvPicPr>
+                <p:nvPr/>
+              </p:nvPicPr>
+              <p:blipFill>
+                <a:blip r:embed="rId4">
+                  <a:extLst>
+                    <a:ext uri="{96DAC541-7B7A-43D3-8B79-37D633B846F1}">
+                      <asvg:svgBlip xmlns:asvg="http://schemas.microsoft.com/office/drawing/2016/SVG/main" r:embed="rId5"/>
+                    </a:ext>
+                  </a:extLst>
+                </a:blip>
+                <a:stretch>
+                  <a:fillRect/>
+                </a:stretch>
+              </p:blipFill>
+              <p:spPr>
+                <a:xfrm>
+                  <a:off x="7120242" y="9340967"/>
+                  <a:ext cx="1956819" cy="1956819"/>
+                </a:xfrm>
+                <a:prstGeom prst="rect">
+                  <a:avLst/>
+                </a:prstGeom>
+              </p:spPr>
+            </p:pic>
+            <p:pic>
+              <p:nvPicPr>
+                <p:cNvPr id="44" name="グラフィックス 43" descr="CakeSlice">
+                  <a:extLst>
+                    <a:ext uri="{FF2B5EF4-FFF2-40B4-BE49-F238E27FC236}">
+                      <a16:creationId xmlns:a16="http://schemas.microsoft.com/office/drawing/2014/main" id="{E4A74F59-522C-3041-BFD7-26FFA95B6CAB}"/>
+                    </a:ext>
+                  </a:extLst>
+                </p:cNvPr>
+                <p:cNvPicPr>
+                  <a:picLocks noChangeAspect="1"/>
+                </p:cNvPicPr>
+                <p:nvPr/>
+              </p:nvPicPr>
+              <p:blipFill>
+                <a:blip r:embed="rId6">
+                  <a:extLst>
+                    <a:ext uri="{96DAC541-7B7A-43D3-8B79-37D633B846F1}">
+                      <asvg:svgBlip xmlns:asvg="http://schemas.microsoft.com/office/drawing/2016/SVG/main" r:embed="rId7"/>
+                    </a:ext>
+                  </a:extLst>
+                </a:blip>
+                <a:stretch>
+                  <a:fillRect/>
+                </a:stretch>
+              </p:blipFill>
+              <p:spPr>
+                <a:xfrm>
+                  <a:off x="3821592" y="9334846"/>
+                  <a:ext cx="1956819" cy="1956819"/>
+                </a:xfrm>
+                <a:prstGeom prst="rect">
+                  <a:avLst/>
+                </a:prstGeom>
+              </p:spPr>
+            </p:pic>
+            <p:pic>
+              <p:nvPicPr>
+                <p:cNvPr id="48" name="グラフィックス 47" descr="Donut">
+                  <a:extLst>
+                    <a:ext uri="{FF2B5EF4-FFF2-40B4-BE49-F238E27FC236}">
+                      <a16:creationId xmlns:a16="http://schemas.microsoft.com/office/drawing/2014/main" id="{6077EAC6-78B7-984C-BA93-0C3FE5450BB1}"/>
+                    </a:ext>
+                  </a:extLst>
+                </p:cNvPr>
+                <p:cNvPicPr>
+                  <a:picLocks noChangeAspect="1"/>
+                </p:cNvPicPr>
+                <p:nvPr/>
+              </p:nvPicPr>
+              <p:blipFill>
+                <a:blip r:embed="rId8">
+                  <a:extLst>
+                    <a:ext uri="{96DAC541-7B7A-43D3-8B79-37D633B846F1}">
+                      <asvg:svgBlip xmlns:asvg="http://schemas.microsoft.com/office/drawing/2016/SVG/main" r:embed="rId9"/>
+                    </a:ext>
+                  </a:extLst>
+                </a:blip>
+                <a:stretch>
+                  <a:fillRect/>
+                </a:stretch>
+              </p:blipFill>
+              <p:spPr>
+                <a:xfrm>
+                  <a:off x="13717542" y="9333265"/>
+                  <a:ext cx="1958400" cy="1958400"/>
+                </a:xfrm>
+                <a:prstGeom prst="rect">
+                  <a:avLst/>
+                </a:prstGeom>
+              </p:spPr>
+            </p:pic>
+          </p:grpSp>
+        </p:grpSp>
+        <p:grpSp>
+          <p:nvGrpSpPr>
+            <p:cNvPr id="62" name="グループ化 61">
+              <a:extLst>
+                <a:ext uri="{FF2B5EF4-FFF2-40B4-BE49-F238E27FC236}">
+                  <a16:creationId xmlns:a16="http://schemas.microsoft.com/office/drawing/2014/main" id="{1ED3FE2A-4CAB-4941-9D00-BFA854D862A9}"/>
+                </a:ext>
+              </a:extLst>
+            </p:cNvPr>
+            <p:cNvGrpSpPr/>
+            <p:nvPr/>
+          </p:nvGrpSpPr>
+          <p:grpSpPr>
+            <a:xfrm>
+              <a:off x="882225" y="4438026"/>
+              <a:ext cx="16523551" cy="3039193"/>
+              <a:chOff x="856258" y="4438026"/>
+              <a:chExt cx="16523551" cy="3039193"/>
+            </a:xfrm>
+          </p:grpSpPr>
+          <p:grpSp>
+            <p:nvGrpSpPr>
+              <p:cNvPr id="59" name="グループ化 58">
+                <a:extLst>
+                  <a:ext uri="{FF2B5EF4-FFF2-40B4-BE49-F238E27FC236}">
+                    <a16:creationId xmlns:a16="http://schemas.microsoft.com/office/drawing/2014/main" id="{788BC890-50A4-6547-9139-84E07E78CDDD}"/>
+                  </a:ext>
+                </a:extLst>
+              </p:cNvPr>
+              <p:cNvGrpSpPr/>
+              <p:nvPr/>
+            </p:nvGrpSpPr>
+            <p:grpSpPr>
+              <a:xfrm>
+                <a:off x="856258" y="4438027"/>
+                <a:ext cx="5489081" cy="3039192"/>
+                <a:chOff x="289330" y="4438027"/>
+                <a:chExt cx="5489081" cy="3039192"/>
+              </a:xfrm>
+            </p:grpSpPr>
+            <p:grpSp>
+              <p:nvGrpSpPr>
+                <p:cNvPr id="52" name="グループ化 51">
+                  <a:extLst>
+                    <a:ext uri="{FF2B5EF4-FFF2-40B4-BE49-F238E27FC236}">
+                      <a16:creationId xmlns:a16="http://schemas.microsoft.com/office/drawing/2014/main" id="{1BCF6E7C-F602-1249-8DD2-2D51F9465F2E}"/>
+                    </a:ext>
+                  </a:extLst>
+                </p:cNvPr>
+                <p:cNvGrpSpPr/>
+                <p:nvPr/>
+              </p:nvGrpSpPr>
+              <p:grpSpPr>
+                <a:xfrm>
+                  <a:off x="4042657" y="5300337"/>
+                  <a:ext cx="1735754" cy="2176882"/>
+                  <a:chOff x="4042657" y="5300337"/>
+                  <a:chExt cx="1735754" cy="2176882"/>
+                </a:xfrm>
+              </p:grpSpPr>
+              <p:sp>
+                <p:nvSpPr>
+                  <p:cNvPr id="7" name="スマイル 6">
+                    <a:extLst>
+                      <a:ext uri="{FF2B5EF4-FFF2-40B4-BE49-F238E27FC236}">
+                        <a16:creationId xmlns:a16="http://schemas.microsoft.com/office/drawing/2014/main" id="{D228A579-477D-5D47-9416-90AA9EAA0BDE}"/>
+                      </a:ext>
+                    </a:extLst>
+                  </p:cNvPr>
+                  <p:cNvSpPr/>
+                  <p:nvPr/>
+                </p:nvSpPr>
+                <p:spPr>
+                  <a:xfrm>
+                    <a:off x="4082142" y="5969783"/>
+                    <a:ext cx="1656784" cy="1507436"/>
+                  </a:xfrm>
+                  <a:prstGeom prst="smileyFace">
+                    <a:avLst/>
+                  </a:prstGeom>
+                  <a:noFill/>
+                  <a:ln w="28575">
+                    <a:solidFill>
+                      <a:schemeClr val="accent1"/>
+                    </a:solidFill>
+                  </a:ln>
+                </p:spPr>
+                <p:style>
+                  <a:lnRef idx="2">
+                    <a:schemeClr val="accent1">
+                      <a:shade val="50000"/>
+                    </a:schemeClr>
+                  </a:lnRef>
+                  <a:fillRef idx="1">
+                    <a:schemeClr val="accent1"/>
+                  </a:fillRef>
+                  <a:effectRef idx="0">
+                    <a:schemeClr val="accent1"/>
+                  </a:effectRef>
+                  <a:fontRef idx="minor">
+                    <a:schemeClr val="lt1"/>
+                  </a:fontRef>
+                </p:style>
+                <p:txBody>
+                  <a:bodyPr rtlCol="0" anchor="ctr"/>
+                  <a:lstStyle/>
+                  <a:p>
+                    <a:pPr algn="ctr"/>
+                    <a:endParaRPr kumimoji="1" lang="ja-JP" altLang="en-US"/>
+                  </a:p>
+                </p:txBody>
+              </p:sp>
+              <p:sp>
+                <p:nvSpPr>
+                  <p:cNvPr id="8" name="テキスト ボックス 7">
+                    <a:extLst>
+                      <a:ext uri="{FF2B5EF4-FFF2-40B4-BE49-F238E27FC236}">
+                        <a16:creationId xmlns:a16="http://schemas.microsoft.com/office/drawing/2014/main" id="{801F810E-BC7B-7A4E-99A7-AFAF07FC3B8C}"/>
+                      </a:ext>
+                    </a:extLst>
+                  </p:cNvPr>
+                  <p:cNvSpPr txBox="1"/>
+                  <p:nvPr/>
+                </p:nvSpPr>
+                <p:spPr>
+                  <a:xfrm>
+                    <a:off x="4042657" y="5300337"/>
+                    <a:ext cx="1735754" cy="646331"/>
+                  </a:xfrm>
+                  <a:prstGeom prst="rect">
+                    <a:avLst/>
+                  </a:prstGeom>
+                  <a:noFill/>
+                </p:spPr>
+                <p:txBody>
+                  <a:bodyPr wrap="square" rtlCol="0">
+                    <a:spAutoFit/>
+                  </a:bodyPr>
+                  <a:lstStyle/>
+                  <a:p>
+                    <a:pPr algn="ctr"/>
+                    <a:r>
+                      <a:rPr kumimoji="1" lang="en-US" altLang="ja-JP" dirty="0"/>
+                      <a:t>agent</a:t>
+                    </a:r>
+                    <a:endParaRPr kumimoji="1" lang="ja-JP" altLang="en-US"/>
+                  </a:p>
+                </p:txBody>
+              </p:sp>
+            </p:grpSp>
+            <p:sp>
+              <p:nvSpPr>
+                <p:cNvPr id="10" name="角丸四角形吹き出し 9">
+                  <a:extLst>
+                    <a:ext uri="{FF2B5EF4-FFF2-40B4-BE49-F238E27FC236}">
+                      <a16:creationId xmlns:a16="http://schemas.microsoft.com/office/drawing/2014/main" id="{C91FDFFE-9D73-D245-86FD-90BADC7755F8}"/>
+                    </a:ext>
+                  </a:extLst>
+                </p:cNvPr>
+                <p:cNvSpPr/>
+                <p:nvPr/>
+              </p:nvSpPr>
+              <p:spPr>
+                <a:xfrm>
+                  <a:off x="289330" y="4438027"/>
+                  <a:ext cx="3639733" cy="1442523"/>
+                </a:xfrm>
+                <a:prstGeom prst="wedgeRoundRectCallout">
+                  <a:avLst>
+                    <a:gd name="adj1" fmla="val 44418"/>
+                    <a:gd name="adj2" fmla="val 78434"/>
+                    <a:gd name="adj3" fmla="val 16667"/>
+                  </a:avLst>
+                </a:prstGeom>
+                <a:ln>
+                  <a:noFill/>
+                </a:ln>
+              </p:spPr>
+              <p:style>
+                <a:lnRef idx="2">
+                  <a:schemeClr val="accent1">
+                    <a:shade val="50000"/>
+                  </a:schemeClr>
+                </a:lnRef>
+                <a:fillRef idx="1">
+                  <a:schemeClr val="accent1"/>
+                </a:fillRef>
+                <a:effectRef idx="0">
+                  <a:schemeClr val="accent1"/>
+                </a:effectRef>
+                <a:fontRef idx="minor">
+                  <a:schemeClr val="lt1"/>
+                </a:fontRef>
+              </p:style>
+              <p:txBody>
+                <a:bodyPr rtlCol="0" anchor="ctr"/>
+                <a:lstStyle/>
+                <a:p>
+                  <a:pPr algn="ctr"/>
+                  <a:r>
+                    <a:rPr kumimoji="1" lang="ja-JP" altLang="en-US"/>
+                    <a:t>ドーナツより</a:t>
+                  </a:r>
+                  <a:endParaRPr kumimoji="1" lang="en-US" altLang="ja-JP" dirty="0"/>
+                </a:p>
+                <a:p>
+                  <a:pPr algn="ctr"/>
+                  <a:r>
+                    <a:rPr lang="ja-JP" altLang="en-US"/>
+                    <a:t>ケーキ</a:t>
+                  </a:r>
+                  <a:r>
+                    <a:rPr kumimoji="1" lang="ja-JP" altLang="en-US"/>
+                    <a:t>が好き</a:t>
+                  </a:r>
+                </a:p>
+              </p:txBody>
+            </p:sp>
+          </p:grpSp>
+          <p:grpSp>
+            <p:nvGrpSpPr>
+              <p:cNvPr id="60" name="グループ化 59">
+                <a:extLst>
+                  <a:ext uri="{FF2B5EF4-FFF2-40B4-BE49-F238E27FC236}">
+                    <a16:creationId xmlns:a16="http://schemas.microsoft.com/office/drawing/2014/main" id="{95D514F6-AAB8-5443-A77E-C9FE96515902}"/>
+                  </a:ext>
+                </a:extLst>
+              </p:cNvPr>
+              <p:cNvGrpSpPr/>
+              <p:nvPr/>
+            </p:nvGrpSpPr>
+            <p:grpSpPr>
+              <a:xfrm>
+                <a:off x="11939756" y="4438026"/>
+                <a:ext cx="5440053" cy="3039193"/>
+                <a:chOff x="12470108" y="4438026"/>
+                <a:chExt cx="5440053" cy="3039193"/>
+              </a:xfrm>
+            </p:grpSpPr>
+            <p:grpSp>
+              <p:nvGrpSpPr>
+                <p:cNvPr id="56" name="グループ化 55">
+                  <a:extLst>
+                    <a:ext uri="{FF2B5EF4-FFF2-40B4-BE49-F238E27FC236}">
+                      <a16:creationId xmlns:a16="http://schemas.microsoft.com/office/drawing/2014/main" id="{648E72E5-220A-5646-A1C3-1CB69FF1BA5D}"/>
+                    </a:ext>
+                  </a:extLst>
+                </p:cNvPr>
+                <p:cNvGrpSpPr/>
+                <p:nvPr/>
+              </p:nvGrpSpPr>
+              <p:grpSpPr>
+                <a:xfrm>
+                  <a:off x="12470108" y="5234219"/>
+                  <a:ext cx="1735754" cy="2243000"/>
+                  <a:chOff x="12470108" y="5234219"/>
+                  <a:chExt cx="1735754" cy="2243000"/>
+                </a:xfrm>
+              </p:grpSpPr>
+              <p:sp>
+                <p:nvSpPr>
+                  <p:cNvPr id="22" name="スマイル 21">
+                    <a:extLst>
+                      <a:ext uri="{FF2B5EF4-FFF2-40B4-BE49-F238E27FC236}">
+                        <a16:creationId xmlns:a16="http://schemas.microsoft.com/office/drawing/2014/main" id="{F20C562D-22E5-E84E-BF0E-CF1AAB77878B}"/>
+                      </a:ext>
+                    </a:extLst>
+                  </p:cNvPr>
+                  <p:cNvSpPr/>
+                  <p:nvPr/>
+                </p:nvSpPr>
+                <p:spPr>
+                  <a:xfrm>
+                    <a:off x="12549078" y="5969783"/>
+                    <a:ext cx="1656784" cy="1507436"/>
+                  </a:xfrm>
+                  <a:prstGeom prst="smileyFace">
+                    <a:avLst/>
+                  </a:prstGeom>
+                  <a:noFill/>
+                  <a:ln w="28575">
+                    <a:solidFill>
+                      <a:schemeClr val="accent1"/>
+                    </a:solidFill>
+                  </a:ln>
+                </p:spPr>
+                <p:style>
+                  <a:lnRef idx="2">
+                    <a:schemeClr val="accent1">
+                      <a:shade val="50000"/>
+                    </a:schemeClr>
+                  </a:lnRef>
+                  <a:fillRef idx="1">
+                    <a:schemeClr val="accent1"/>
+                  </a:fillRef>
+                  <a:effectRef idx="0">
+                    <a:schemeClr val="accent1"/>
+                  </a:effectRef>
+                  <a:fontRef idx="minor">
+                    <a:schemeClr val="lt1"/>
+                  </a:fontRef>
+                </p:style>
+                <p:txBody>
+                  <a:bodyPr rtlCol="0" anchor="ctr"/>
+                  <a:lstStyle/>
+                  <a:p>
+                    <a:pPr algn="ctr"/>
+                    <a:endParaRPr kumimoji="1" lang="ja-JP" altLang="en-US"/>
+                  </a:p>
+                </p:txBody>
+              </p:sp>
+              <p:sp>
+                <p:nvSpPr>
+                  <p:cNvPr id="25" name="テキスト ボックス 24">
+                    <a:extLst>
+                      <a:ext uri="{FF2B5EF4-FFF2-40B4-BE49-F238E27FC236}">
+                        <a16:creationId xmlns:a16="http://schemas.microsoft.com/office/drawing/2014/main" id="{B097CB65-CD2F-E74C-A9E6-B2E571458D84}"/>
+                      </a:ext>
+                    </a:extLst>
+                  </p:cNvPr>
+                  <p:cNvSpPr txBox="1"/>
+                  <p:nvPr/>
+                </p:nvSpPr>
+                <p:spPr>
+                  <a:xfrm>
+                    <a:off x="12470108" y="5234219"/>
+                    <a:ext cx="1735754" cy="646331"/>
+                  </a:xfrm>
+                  <a:prstGeom prst="rect">
+                    <a:avLst/>
+                  </a:prstGeom>
+                  <a:noFill/>
+                </p:spPr>
+                <p:txBody>
+                  <a:bodyPr wrap="square" rtlCol="0">
+                    <a:spAutoFit/>
+                  </a:bodyPr>
+                  <a:lstStyle/>
+                  <a:p>
+                    <a:pPr algn="ctr"/>
+                    <a:r>
+                      <a:rPr lang="en-US" altLang="ja-JP" dirty="0"/>
+                      <a:t>human</a:t>
+                    </a:r>
+                    <a:endParaRPr kumimoji="1" lang="ja-JP" altLang="en-US"/>
+                  </a:p>
+                </p:txBody>
+              </p:sp>
+            </p:grpSp>
+            <p:sp>
+              <p:nvSpPr>
+                <p:cNvPr id="53" name="角丸四角形吹き出し 52">
+                  <a:extLst>
+                    <a:ext uri="{FF2B5EF4-FFF2-40B4-BE49-F238E27FC236}">
+                      <a16:creationId xmlns:a16="http://schemas.microsoft.com/office/drawing/2014/main" id="{DB3F98BB-A86E-A34D-BF61-AC5C212AF3E8}"/>
+                    </a:ext>
+                  </a:extLst>
+                </p:cNvPr>
+                <p:cNvSpPr/>
+                <p:nvPr/>
+              </p:nvSpPr>
+              <p:spPr>
+                <a:xfrm>
+                  <a:off x="14270428" y="4438026"/>
+                  <a:ext cx="3639733" cy="1442523"/>
+                </a:xfrm>
+                <a:prstGeom prst="wedgeRoundRectCallout">
+                  <a:avLst>
+                    <a:gd name="adj1" fmla="val -42507"/>
+                    <a:gd name="adj2" fmla="val 80970"/>
+                    <a:gd name="adj3" fmla="val 16667"/>
+                  </a:avLst>
+                </a:prstGeom>
+                <a:ln>
+                  <a:noFill/>
+                </a:ln>
+              </p:spPr>
+              <p:style>
+                <a:lnRef idx="2">
+                  <a:schemeClr val="accent1">
+                    <a:shade val="50000"/>
+                  </a:schemeClr>
+                </a:lnRef>
+                <a:fillRef idx="1">
+                  <a:schemeClr val="accent1"/>
+                </a:fillRef>
+                <a:effectRef idx="0">
+                  <a:schemeClr val="accent1"/>
+                </a:effectRef>
+                <a:fontRef idx="minor">
+                  <a:schemeClr val="lt1"/>
+                </a:fontRef>
+              </p:style>
+              <p:txBody>
+                <a:bodyPr rtlCol="0" anchor="ctr"/>
+                <a:lstStyle/>
+                <a:p>
+                  <a:pPr algn="ctr"/>
+                  <a:r>
+                    <a:rPr kumimoji="1" lang="ja-JP" altLang="en-US"/>
+                    <a:t>ピザより</a:t>
+                  </a:r>
+                  <a:endParaRPr kumimoji="1" lang="en-US" altLang="ja-JP" dirty="0"/>
+                </a:p>
+                <a:p>
+                  <a:pPr algn="ctr"/>
+                  <a:r>
+                    <a:rPr lang="ja-JP" altLang="en-US"/>
+                    <a:t>パスタ</a:t>
+                  </a:r>
+                  <a:r>
+                    <a:rPr kumimoji="1" lang="ja-JP" altLang="en-US"/>
+                    <a:t>が好き</a:t>
+                  </a:r>
+                </a:p>
+              </p:txBody>
+            </p:sp>
+          </p:grpSp>
+        </p:grpSp>
+      </p:grpSp>
       <p:sp>
         <p:nvSpPr>
-          <p:cNvPr id="23" name="三角形 22">
+          <p:cNvPr id="41" name="右矢印 40">
             <a:extLst>
               <a:ext uri="{FF2B5EF4-FFF2-40B4-BE49-F238E27FC236}">
-                <a16:creationId xmlns:a16="http://schemas.microsoft.com/office/drawing/2014/main" id="{B0C94E0C-603C-504B-8CC4-FED978488AC0}"/>
+                <a16:creationId xmlns:a16="http://schemas.microsoft.com/office/drawing/2014/main" id="{E322A5C6-F837-6343-84FB-A6CA9D3F0F28}"/>
+              </a:ext>
+            </a:extLst>
+          </p:cNvPr>
+          <p:cNvSpPr/>
+          <p:nvPr/>
+        </p:nvSpPr>
+        <p:spPr>
+          <a:xfrm rot="17437685">
+            <a:off x="3990189" y="8430121"/>
+            <a:ext cx="1599655" cy="371475"/>
+          </a:xfrm>
+          <a:prstGeom prst="rightArrow">
+            <a:avLst/>
+          </a:prstGeom>
+          <a:solidFill>
+            <a:schemeClr val="accent2"/>
+          </a:solidFill>
+          <a:ln>
+            <a:noFill/>
+          </a:ln>
+        </p:spPr>
+        <p:style>
+          <a:lnRef idx="2">
+            <a:schemeClr val="accent1">
+              <a:shade val="50000"/>
+            </a:schemeClr>
+          </a:lnRef>
+          <a:fillRef idx="1">
+            <a:schemeClr val="accent1"/>
+          </a:fillRef>
+          <a:effectRef idx="0">
+            <a:schemeClr val="accent1"/>
+          </a:effectRef>
+          <a:fontRef idx="minor">
+            <a:schemeClr val="lt1"/>
+          </a:fontRef>
+        </p:style>
+        <p:txBody>
+          <a:bodyPr rtlCol="0" anchor="ctr"/>
+          <a:lstStyle/>
+          <a:p>
+            <a:pPr algn="ctr"/>
+            <a:endParaRPr kumimoji="1" lang="ja-JP" altLang="en-US"/>
+          </a:p>
+        </p:txBody>
+      </p:sp>
+      <p:sp>
+        <p:nvSpPr>
+          <p:cNvPr id="43" name="右矢印 42">
+            <a:extLst>
+              <a:ext uri="{FF2B5EF4-FFF2-40B4-BE49-F238E27FC236}">
+                <a16:creationId xmlns:a16="http://schemas.microsoft.com/office/drawing/2014/main" id="{639BA9FD-359A-D84D-B5FC-93C38B04892A}"/>
+              </a:ext>
+            </a:extLst>
+          </p:cNvPr>
+          <p:cNvSpPr/>
+          <p:nvPr/>
+        </p:nvSpPr>
+        <p:spPr>
+          <a:xfrm rot="17460000" flipV="1">
+            <a:off x="11026864" y="8580394"/>
+            <a:ext cx="1599655" cy="371475"/>
+          </a:xfrm>
+          <a:prstGeom prst="rightArrow">
+            <a:avLst/>
+          </a:prstGeom>
+          <a:solidFill>
+            <a:schemeClr val="accent2"/>
+          </a:solidFill>
+          <a:ln>
+            <a:noFill/>
+          </a:ln>
+        </p:spPr>
+        <p:style>
+          <a:lnRef idx="2">
+            <a:schemeClr val="accent1">
+              <a:shade val="50000"/>
+            </a:schemeClr>
+          </a:lnRef>
+          <a:fillRef idx="1">
+            <a:schemeClr val="accent1"/>
+          </a:fillRef>
+          <a:effectRef idx="0">
+            <a:schemeClr val="accent1"/>
+          </a:effectRef>
+          <a:fontRef idx="minor">
+            <a:schemeClr val="lt1"/>
+          </a:fontRef>
+        </p:style>
+        <p:txBody>
+          <a:bodyPr rtlCol="0" anchor="ctr"/>
+          <a:lstStyle/>
+          <a:p>
+            <a:pPr algn="ctr"/>
+            <a:endParaRPr kumimoji="1" lang="ja-JP" altLang="en-US"/>
+          </a:p>
+        </p:txBody>
+      </p:sp>
+    </p:spTree>
+    <p:extLst>
+      <p:ext uri="{BB962C8B-B14F-4D97-AF65-F5344CB8AC3E}">
+        <p14:creationId xmlns:p14="http://schemas.microsoft.com/office/powerpoint/2010/main" val="3966429954"/>
+      </p:ext>
+    </p:extLst>
+  </p:cSld>
+  <p:clrMapOvr>
+    <a:masterClrMapping/>
+  </p:clrMapOvr>
+</p:sld>
+</file>
+
+<file path=ppt/slides/slide8.xml><?xml version="1.0" encoding="utf-8"?>
+<p:sld xmlns:a="http://schemas.openxmlformats.org/drawingml/2006/main" xmlns:r="http://schemas.openxmlformats.org/officeDocument/2006/relationships" xmlns:p="http://schemas.openxmlformats.org/presentationml/2006/main">
+  <p:cSld>
+    <p:spTree>
+      <p:nvGrpSpPr>
+        <p:cNvPr id="1" name=""/>
+        <p:cNvGrpSpPr/>
+        <p:nvPr/>
+      </p:nvGrpSpPr>
+      <p:grpSpPr>
+        <a:xfrm>
+          <a:off x="0" y="0"/>
+          <a:ext cx="0" cy="0"/>
+          <a:chOff x="0" y="0"/>
+          <a:chExt cx="0" cy="0"/>
+        </a:xfrm>
+      </p:grpSpPr>
+      <p:sp>
+        <p:nvSpPr>
+          <p:cNvPr id="2" name="日付プレースホルダー 1">
+            <a:extLst>
+              <a:ext uri="{FF2B5EF4-FFF2-40B4-BE49-F238E27FC236}">
+                <a16:creationId xmlns:a16="http://schemas.microsoft.com/office/drawing/2014/main" id="{13520CDD-7107-D140-A1A0-69D0D69B10F3}"/>
+              </a:ext>
+            </a:extLst>
+          </p:cNvPr>
+          <p:cNvSpPr>
+            <a:spLocks noGrp="1"/>
+          </p:cNvSpPr>
+          <p:nvPr>
+            <p:ph type="dt" sz="half" idx="10"/>
+          </p:nvPr>
+        </p:nvSpPr>
+        <p:spPr/>
+        <p:txBody>
+          <a:bodyPr/>
+          <a:lstStyle/>
+          <a:p>
+            <a:fld id="{35974365-84F6-754A-A339-DA79FFD42E98}" type="datetime1">
+              <a:rPr lang="ja-JP" altLang="en-US" smtClean="0"/>
+              <a:t>2018/6/4</a:t>
+            </a:fld>
+            <a:endParaRPr lang="ja-JP" altLang="en-US"/>
+          </a:p>
+        </p:txBody>
+      </p:sp>
+      <p:sp>
+        <p:nvSpPr>
+          <p:cNvPr id="3" name="フッター プレースホルダー 2">
+            <a:extLst>
+              <a:ext uri="{FF2B5EF4-FFF2-40B4-BE49-F238E27FC236}">
+                <a16:creationId xmlns:a16="http://schemas.microsoft.com/office/drawing/2014/main" id="{6EEFBA0C-3454-8D4D-87CE-5BA9ED8AFBE5}"/>
+              </a:ext>
+            </a:extLst>
+          </p:cNvPr>
+          <p:cNvSpPr>
+            <a:spLocks noGrp="1"/>
+          </p:cNvSpPr>
+          <p:nvPr>
+            <p:ph type="ftr" sz="quarter" idx="11"/>
+          </p:nvPr>
+        </p:nvSpPr>
+        <p:spPr/>
+        <p:txBody>
+          <a:bodyPr/>
+          <a:lstStyle/>
+          <a:p>
+            <a:r>
+              <a:rPr lang="ja-JP" altLang="en-US"/>
+              <a:t>進捗報告</a:t>
+            </a:r>
+            <a:r>
+              <a:rPr lang="en-US" altLang="ja-JP"/>
+              <a:t>(2018.06.06)</a:t>
+            </a:r>
+            <a:endParaRPr lang="ja-JP" altLang="en-US"/>
+          </a:p>
+        </p:txBody>
+      </p:sp>
+      <p:sp>
+        <p:nvSpPr>
+          <p:cNvPr id="4" name="スライド番号プレースホルダー 3">
+            <a:extLst>
+              <a:ext uri="{FF2B5EF4-FFF2-40B4-BE49-F238E27FC236}">
+                <a16:creationId xmlns:a16="http://schemas.microsoft.com/office/drawing/2014/main" id="{5D405AD0-9091-A94B-BA67-32995AD15B35}"/>
+              </a:ext>
+            </a:extLst>
+          </p:cNvPr>
+          <p:cNvSpPr>
+            <a:spLocks noGrp="1"/>
+          </p:cNvSpPr>
+          <p:nvPr>
+            <p:ph type="sldNum" sz="quarter" idx="12"/>
+          </p:nvPr>
+        </p:nvSpPr>
+        <p:spPr/>
+        <p:txBody>
+          <a:bodyPr/>
+          <a:lstStyle/>
+          <a:p>
+            <a:fld id="{89242BC1-393D-1248-985B-18DA624F2964}" type="slidenum">
+              <a:rPr lang="ja-JP" altLang="en-US" smtClean="0"/>
+              <a:pPr/>
+              <a:t>8</a:t>
+            </a:fld>
+            <a:endParaRPr lang="ja-JP" altLang="en-US"/>
+          </a:p>
+        </p:txBody>
+      </p:sp>
+      <p:sp>
+        <p:nvSpPr>
+          <p:cNvPr id="5" name="テキスト プレースホルダー 4">
+            <a:extLst>
+              <a:ext uri="{FF2B5EF4-FFF2-40B4-BE49-F238E27FC236}">
+                <a16:creationId xmlns:a16="http://schemas.microsoft.com/office/drawing/2014/main" id="{26DD2A8D-F804-D546-B77D-9693A67C3E0B}"/>
+              </a:ext>
+            </a:extLst>
+          </p:cNvPr>
+          <p:cNvSpPr>
+            <a:spLocks noGrp="1"/>
+          </p:cNvSpPr>
+          <p:nvPr>
+            <p:ph type="body" sz="quarter" idx="14"/>
+          </p:nvPr>
+        </p:nvSpPr>
+        <p:spPr/>
+        <p:txBody>
+          <a:bodyPr/>
+          <a:lstStyle/>
+          <a:p>
+            <a:r>
+              <a:rPr lang="ja-JP" altLang="en-US"/>
+              <a:t>文献講読</a:t>
+            </a:r>
+            <a:endParaRPr kumimoji="1" lang="ja-JP" altLang="en-US"/>
+          </a:p>
+        </p:txBody>
+      </p:sp>
+      <p:sp>
+        <p:nvSpPr>
+          <p:cNvPr id="6" name="テキスト プレースホルダー 5">
+            <a:extLst>
+              <a:ext uri="{FF2B5EF4-FFF2-40B4-BE49-F238E27FC236}">
+                <a16:creationId xmlns:a16="http://schemas.microsoft.com/office/drawing/2014/main" id="{18F5D246-4675-9D44-B96B-BEDD6F01EDA7}"/>
+              </a:ext>
+            </a:extLst>
+          </p:cNvPr>
+          <p:cNvSpPr>
+            <a:spLocks noGrp="1"/>
+          </p:cNvSpPr>
+          <p:nvPr>
+            <p:ph type="body" sz="quarter" idx="13"/>
+          </p:nvPr>
+        </p:nvSpPr>
+        <p:spPr/>
+        <p:txBody>
+          <a:bodyPr/>
+          <a:lstStyle/>
+          <a:p>
+            <a:r>
+              <a:rPr lang="en-US" altLang="ja-JP" dirty="0"/>
+              <a:t>2</a:t>
+            </a:r>
+            <a:endParaRPr kumimoji="1" lang="ja-JP" altLang="en-US"/>
+          </a:p>
+        </p:txBody>
+      </p:sp>
+      <p:grpSp>
+        <p:nvGrpSpPr>
+          <p:cNvPr id="31" name="グループ化 30">
+            <a:extLst>
+              <a:ext uri="{FF2B5EF4-FFF2-40B4-BE49-F238E27FC236}">
+                <a16:creationId xmlns:a16="http://schemas.microsoft.com/office/drawing/2014/main" id="{FD81DDC5-24B5-F24B-8DCA-6543CEE8DC81}"/>
+              </a:ext>
+            </a:extLst>
+          </p:cNvPr>
+          <p:cNvGrpSpPr/>
+          <p:nvPr/>
+        </p:nvGrpSpPr>
+        <p:grpSpPr>
+          <a:xfrm>
+            <a:off x="289330" y="1413298"/>
+            <a:ext cx="2160000" cy="934436"/>
+            <a:chOff x="144665" y="525617"/>
+            <a:chExt cx="1080000" cy="467218"/>
+          </a:xfrm>
+        </p:grpSpPr>
+        <p:sp>
+          <p:nvSpPr>
+            <p:cNvPr id="32" name="正方形/長方形 31">
+              <a:extLst>
+                <a:ext uri="{FF2B5EF4-FFF2-40B4-BE49-F238E27FC236}">
+                  <a16:creationId xmlns:a16="http://schemas.microsoft.com/office/drawing/2014/main" id="{073638CC-28A2-E943-AD34-548A0C227633}"/>
+                </a:ext>
+              </a:extLst>
+            </p:cNvPr>
+            <p:cNvSpPr/>
+            <p:nvPr userDrawn="1"/>
+          </p:nvSpPr>
+          <p:spPr>
+            <a:xfrm>
+              <a:off x="145524" y="542424"/>
+              <a:ext cx="91081" cy="450411"/>
+            </a:xfrm>
+            <a:prstGeom prst="rect">
+              <a:avLst/>
+            </a:prstGeom>
+            <a:solidFill>
+              <a:schemeClr val="accent1"/>
+            </a:solidFill>
+            <a:ln>
+              <a:noFill/>
+            </a:ln>
+          </p:spPr>
+          <p:style>
+            <a:lnRef idx="2">
+              <a:schemeClr val="accent1">
+                <a:shade val="50000"/>
+              </a:schemeClr>
+            </a:lnRef>
+            <a:fillRef idx="1">
+              <a:schemeClr val="accent1"/>
+            </a:fillRef>
+            <a:effectRef idx="0">
+              <a:schemeClr val="accent1"/>
+            </a:effectRef>
+            <a:fontRef idx="minor">
+              <a:schemeClr val="lt1"/>
+            </a:fontRef>
+          </p:style>
+          <p:txBody>
+            <a:bodyPr rot="0" spcFirstLastPara="0" vertOverflow="overflow" horzOverflow="overflow" vert="horz" wrap="square" lIns="68580" tIns="34290" rIns="68580" bIns="34290" numCol="1" spcCol="0" rtlCol="0" fromWordArt="0" anchor="ctr" anchorCtr="0" forceAA="0" compatLnSpc="1">
+              <a:prstTxWarp prst="textNoShape">
+                <a:avLst/>
+              </a:prstTxWarp>
+              <a:noAutofit/>
+            </a:bodyPr>
+            <a:lstStyle/>
+            <a:p>
+              <a:pPr algn="ctr"/>
+              <a:endParaRPr kumimoji="1" lang="ja-JP" altLang="en-US" sz="2700"/>
+            </a:p>
+          </p:txBody>
+        </p:sp>
+        <p:sp>
+          <p:nvSpPr>
+            <p:cNvPr id="33" name="正方形/長方形 32">
+              <a:extLst>
+                <a:ext uri="{FF2B5EF4-FFF2-40B4-BE49-F238E27FC236}">
+                  <a16:creationId xmlns:a16="http://schemas.microsoft.com/office/drawing/2014/main" id="{89C51296-914D-A74C-889D-A570C54F6A57}"/>
+                </a:ext>
+              </a:extLst>
+            </p:cNvPr>
+            <p:cNvSpPr/>
+            <p:nvPr userDrawn="1"/>
+          </p:nvSpPr>
+          <p:spPr>
+            <a:xfrm>
+              <a:off x="144665" y="525617"/>
+              <a:ext cx="1080000" cy="16137"/>
+            </a:xfrm>
+            <a:prstGeom prst="rect">
+              <a:avLst/>
+            </a:prstGeom>
+            <a:solidFill>
+              <a:schemeClr val="accent1"/>
+            </a:solidFill>
+            <a:ln>
+              <a:noFill/>
+            </a:ln>
+          </p:spPr>
+          <p:style>
+            <a:lnRef idx="2">
+              <a:schemeClr val="accent1">
+                <a:shade val="50000"/>
+              </a:schemeClr>
+            </a:lnRef>
+            <a:fillRef idx="1">
+              <a:schemeClr val="accent1"/>
+            </a:fillRef>
+            <a:effectRef idx="0">
+              <a:schemeClr val="accent1"/>
+            </a:effectRef>
+            <a:fontRef idx="minor">
+              <a:schemeClr val="lt1"/>
+            </a:fontRef>
+          </p:style>
+          <p:txBody>
+            <a:bodyPr rot="0" spcFirstLastPara="0" vertOverflow="overflow" horzOverflow="overflow" vert="horz" wrap="square" lIns="68580" tIns="34290" rIns="68580" bIns="34290" numCol="1" spcCol="0" rtlCol="0" fromWordArt="0" anchor="ctr" anchorCtr="0" forceAA="0" compatLnSpc="1">
+              <a:prstTxWarp prst="textNoShape">
+                <a:avLst/>
+              </a:prstTxWarp>
+              <a:noAutofit/>
+            </a:bodyPr>
+            <a:lstStyle/>
+            <a:p>
+              <a:pPr algn="ctr"/>
+              <a:endParaRPr kumimoji="1" lang="ja-JP" altLang="en-US" sz="2700"/>
+            </a:p>
+          </p:txBody>
+        </p:sp>
+      </p:grpSp>
+      <p:grpSp>
+        <p:nvGrpSpPr>
+          <p:cNvPr id="34" name="グループ化 33">
+            <a:extLst>
+              <a:ext uri="{FF2B5EF4-FFF2-40B4-BE49-F238E27FC236}">
+                <a16:creationId xmlns:a16="http://schemas.microsoft.com/office/drawing/2014/main" id="{FC0C993D-26F8-9648-8C42-6E3A827F97DE}"/>
+              </a:ext>
+            </a:extLst>
+          </p:cNvPr>
+          <p:cNvGrpSpPr/>
+          <p:nvPr/>
+        </p:nvGrpSpPr>
+        <p:grpSpPr>
+          <a:xfrm>
+            <a:off x="617232" y="2557358"/>
+            <a:ext cx="539448" cy="487368"/>
+            <a:chOff x="400056" y="1061560"/>
+            <a:chExt cx="269724" cy="243684"/>
+          </a:xfrm>
+        </p:grpSpPr>
+        <p:sp>
+          <p:nvSpPr>
+            <p:cNvPr id="35" name="三角形 34">
+              <a:extLst>
+                <a:ext uri="{FF2B5EF4-FFF2-40B4-BE49-F238E27FC236}">
+                  <a16:creationId xmlns:a16="http://schemas.microsoft.com/office/drawing/2014/main" id="{21EC1BB2-1EA3-DB45-83ED-42197AA1F0E3}"/>
+                </a:ext>
+              </a:extLst>
+            </p:cNvPr>
+            <p:cNvSpPr/>
+            <p:nvPr userDrawn="1"/>
+          </p:nvSpPr>
+          <p:spPr>
+            <a:xfrm rot="5400000">
+              <a:off x="359835" y="1105015"/>
+              <a:ext cx="240450" cy="160008"/>
+            </a:xfrm>
+            <a:prstGeom prst="triangle">
+              <a:avLst/>
+            </a:prstGeom>
+            <a:solidFill>
+              <a:schemeClr val="accent1"/>
+            </a:solidFill>
+            <a:ln>
+              <a:noFill/>
+            </a:ln>
+          </p:spPr>
+          <p:style>
+            <a:lnRef idx="0">
+              <a:scrgbClr r="0" g="0" b="0"/>
+            </a:lnRef>
+            <a:fillRef idx="0">
+              <a:scrgbClr r="0" g="0" b="0"/>
+            </a:fillRef>
+            <a:effectRef idx="0">
+              <a:scrgbClr r="0" g="0" b="0"/>
+            </a:effectRef>
+            <a:fontRef idx="minor">
+              <a:schemeClr val="lt1"/>
+            </a:fontRef>
+          </p:style>
+          <p:txBody>
+            <a:bodyPr rtlCol="0" anchor="ctr"/>
+            <a:lstStyle/>
+            <a:p>
+              <a:pPr algn="ctr"/>
+              <a:endParaRPr kumimoji="1" lang="ja-JP" altLang="en-US" sz="7200"/>
+            </a:p>
+          </p:txBody>
+        </p:sp>
+        <p:sp>
+          <p:nvSpPr>
+            <p:cNvPr id="36" name="三角形 35">
+              <a:extLst>
+                <a:ext uri="{FF2B5EF4-FFF2-40B4-BE49-F238E27FC236}">
+                  <a16:creationId xmlns:a16="http://schemas.microsoft.com/office/drawing/2014/main" id="{92822503-D36D-7644-A490-99EB8A1079E7}"/>
+                </a:ext>
+              </a:extLst>
+            </p:cNvPr>
+            <p:cNvSpPr/>
+            <p:nvPr userDrawn="1"/>
+          </p:nvSpPr>
+          <p:spPr>
+            <a:xfrm rot="5400000">
+              <a:off x="469551" y="1101781"/>
+              <a:ext cx="240450" cy="160008"/>
+            </a:xfrm>
+            <a:prstGeom prst="triangle">
+              <a:avLst/>
+            </a:prstGeom>
+            <a:solidFill>
+              <a:schemeClr val="accent1"/>
+            </a:solidFill>
+            <a:ln>
+              <a:noFill/>
+            </a:ln>
+          </p:spPr>
+          <p:style>
+            <a:lnRef idx="0">
+              <a:scrgbClr r="0" g="0" b="0"/>
+            </a:lnRef>
+            <a:fillRef idx="0">
+              <a:scrgbClr r="0" g="0" b="0"/>
+            </a:fillRef>
+            <a:effectRef idx="0">
+              <a:scrgbClr r="0" g="0" b="0"/>
+            </a:effectRef>
+            <a:fontRef idx="minor">
+              <a:schemeClr val="lt1"/>
+            </a:fontRef>
+          </p:style>
+          <p:txBody>
+            <a:bodyPr rtlCol="0" anchor="ctr"/>
+            <a:lstStyle/>
+            <a:p>
+              <a:pPr algn="ctr"/>
+              <a:endParaRPr kumimoji="1" lang="ja-JP" altLang="en-US" sz="7200"/>
+            </a:p>
+          </p:txBody>
+        </p:sp>
+      </p:grpSp>
+      <p:sp>
+        <p:nvSpPr>
+          <p:cNvPr id="37" name="テキスト プレースホルダー 30">
+            <a:extLst>
+              <a:ext uri="{FF2B5EF4-FFF2-40B4-BE49-F238E27FC236}">
+                <a16:creationId xmlns:a16="http://schemas.microsoft.com/office/drawing/2014/main" id="{A73B3907-668E-1A41-B5F4-6D46EA930E91}"/>
+              </a:ext>
+            </a:extLst>
+          </p:cNvPr>
+          <p:cNvSpPr txBox="1">
+            <a:spLocks/>
+          </p:cNvSpPr>
+          <p:nvPr/>
+        </p:nvSpPr>
+        <p:spPr>
+          <a:xfrm>
+            <a:off x="571049" y="1583871"/>
+            <a:ext cx="17302163" cy="1403350"/>
+          </a:xfrm>
+          <a:prstGeom prst="rect">
+            <a:avLst/>
+          </a:prstGeom>
+        </p:spPr>
+        <p:txBody>
+          <a:bodyPr>
+            <a:normAutofit/>
+          </a:bodyPr>
+          <a:lstStyle>
+            <a:lvl1pPr marL="0" indent="0" algn="l" defTabSz="1828800" rtl="0" eaLnBrk="1" latinLnBrk="0" hangingPunct="1">
+              <a:lnSpc>
+                <a:spcPct val="90000"/>
+              </a:lnSpc>
+              <a:spcBef>
+                <a:spcPts val="2000"/>
+              </a:spcBef>
+              <a:buFont typeface="Arial" panose="020B0604020202020204" pitchFamily="34" charset="0"/>
+              <a:buNone/>
+              <a:defRPr kumimoji="1" sz="6000" kern="1200">
+                <a:solidFill>
+                  <a:schemeClr val="tx1"/>
+                </a:solidFill>
+                <a:latin typeface="+mn-lt"/>
+                <a:ea typeface="+mn-ea"/>
+                <a:cs typeface="+mn-cs"/>
+              </a:defRPr>
+            </a:lvl1pPr>
+            <a:lvl2pPr marL="1371600" indent="-457200" algn="l" defTabSz="1828800" rtl="0" eaLnBrk="1" latinLnBrk="0" hangingPunct="1">
+              <a:lnSpc>
+                <a:spcPct val="90000"/>
+              </a:lnSpc>
+              <a:spcBef>
+                <a:spcPts val="1000"/>
+              </a:spcBef>
+              <a:buFont typeface="Arial" panose="020B0604020202020204" pitchFamily="34" charset="0"/>
+              <a:buChar char="•"/>
+              <a:defRPr kumimoji="1" sz="4800" kern="1200">
+                <a:solidFill>
+                  <a:schemeClr val="tx1"/>
+                </a:solidFill>
+                <a:latin typeface="+mn-lt"/>
+                <a:ea typeface="+mn-ea"/>
+                <a:cs typeface="+mn-cs"/>
+              </a:defRPr>
+            </a:lvl2pPr>
+            <a:lvl3pPr marL="2286000" indent="-457200" algn="l" defTabSz="1828800" rtl="0" eaLnBrk="1" latinLnBrk="0" hangingPunct="1">
+              <a:lnSpc>
+                <a:spcPct val="90000"/>
+              </a:lnSpc>
+              <a:spcBef>
+                <a:spcPts val="1000"/>
+              </a:spcBef>
+              <a:buFont typeface="Arial" panose="020B0604020202020204" pitchFamily="34" charset="0"/>
+              <a:buChar char="•"/>
+              <a:defRPr kumimoji="1" sz="4000" kern="1200">
+                <a:solidFill>
+                  <a:schemeClr val="tx1"/>
+                </a:solidFill>
+                <a:latin typeface="+mn-lt"/>
+                <a:ea typeface="+mn-ea"/>
+                <a:cs typeface="+mn-cs"/>
+              </a:defRPr>
+            </a:lvl3pPr>
+            <a:lvl4pPr marL="3200400" indent="-457200" algn="l" defTabSz="1828800" rtl="0" eaLnBrk="1" latinLnBrk="0" hangingPunct="1">
+              <a:lnSpc>
+                <a:spcPct val="90000"/>
+              </a:lnSpc>
+              <a:spcBef>
+                <a:spcPts val="1000"/>
+              </a:spcBef>
+              <a:buFont typeface="Arial" panose="020B0604020202020204" pitchFamily="34" charset="0"/>
+              <a:buChar char="•"/>
+              <a:defRPr kumimoji="1" sz="3600" kern="1200">
+                <a:solidFill>
+                  <a:schemeClr val="tx1"/>
+                </a:solidFill>
+                <a:latin typeface="+mn-lt"/>
+                <a:ea typeface="+mn-ea"/>
+                <a:cs typeface="+mn-cs"/>
+              </a:defRPr>
+            </a:lvl4pPr>
+            <a:lvl5pPr marL="4114800" indent="-457200" algn="l" defTabSz="1828800" rtl="0" eaLnBrk="1" latinLnBrk="0" hangingPunct="1">
+              <a:lnSpc>
+                <a:spcPct val="90000"/>
+              </a:lnSpc>
+              <a:spcBef>
+                <a:spcPts val="1000"/>
+              </a:spcBef>
+              <a:buFont typeface="Arial" panose="020B0604020202020204" pitchFamily="34" charset="0"/>
+              <a:buChar char="•"/>
+              <a:defRPr kumimoji="1" sz="3600" kern="1200">
+                <a:solidFill>
+                  <a:schemeClr val="tx1"/>
+                </a:solidFill>
+                <a:latin typeface="+mn-lt"/>
+                <a:ea typeface="+mn-ea"/>
+                <a:cs typeface="+mn-cs"/>
+              </a:defRPr>
+            </a:lvl5pPr>
+            <a:lvl6pPr marL="5029200" indent="-457200" algn="l" defTabSz="1828800" rtl="0" eaLnBrk="1" latinLnBrk="0" hangingPunct="1">
+              <a:lnSpc>
+                <a:spcPct val="90000"/>
+              </a:lnSpc>
+              <a:spcBef>
+                <a:spcPts val="1000"/>
+              </a:spcBef>
+              <a:buFont typeface="Arial" panose="020B0604020202020204" pitchFamily="34" charset="0"/>
+              <a:buChar char="•"/>
+              <a:defRPr kumimoji="1" sz="3600" kern="1200">
+                <a:solidFill>
+                  <a:schemeClr val="tx1"/>
+                </a:solidFill>
+                <a:latin typeface="+mn-lt"/>
+                <a:ea typeface="+mn-ea"/>
+                <a:cs typeface="+mn-cs"/>
+              </a:defRPr>
+            </a:lvl6pPr>
+            <a:lvl7pPr marL="5943600" indent="-457200" algn="l" defTabSz="1828800" rtl="0" eaLnBrk="1" latinLnBrk="0" hangingPunct="1">
+              <a:lnSpc>
+                <a:spcPct val="90000"/>
+              </a:lnSpc>
+              <a:spcBef>
+                <a:spcPts val="1000"/>
+              </a:spcBef>
+              <a:buFont typeface="Arial" panose="020B0604020202020204" pitchFamily="34" charset="0"/>
+              <a:buChar char="•"/>
+              <a:defRPr kumimoji="1" sz="3600" kern="1200">
+                <a:solidFill>
+                  <a:schemeClr val="tx1"/>
+                </a:solidFill>
+                <a:latin typeface="+mn-lt"/>
+                <a:ea typeface="+mn-ea"/>
+                <a:cs typeface="+mn-cs"/>
+              </a:defRPr>
+            </a:lvl7pPr>
+            <a:lvl8pPr marL="6858000" indent="-457200" algn="l" defTabSz="1828800" rtl="0" eaLnBrk="1" latinLnBrk="0" hangingPunct="1">
+              <a:lnSpc>
+                <a:spcPct val="90000"/>
+              </a:lnSpc>
+              <a:spcBef>
+                <a:spcPts val="1000"/>
+              </a:spcBef>
+              <a:buFont typeface="Arial" panose="020B0604020202020204" pitchFamily="34" charset="0"/>
+              <a:buChar char="•"/>
+              <a:defRPr kumimoji="1" sz="3600" kern="1200">
+                <a:solidFill>
+                  <a:schemeClr val="tx1"/>
+                </a:solidFill>
+                <a:latin typeface="+mn-lt"/>
+                <a:ea typeface="+mn-ea"/>
+                <a:cs typeface="+mn-cs"/>
+              </a:defRPr>
+            </a:lvl8pPr>
+            <a:lvl9pPr marL="7772400" indent="-457200" algn="l" defTabSz="1828800" rtl="0" eaLnBrk="1" latinLnBrk="0" hangingPunct="1">
+              <a:lnSpc>
+                <a:spcPct val="90000"/>
+              </a:lnSpc>
+              <a:spcBef>
+                <a:spcPts val="1000"/>
+              </a:spcBef>
+              <a:buFont typeface="Arial" panose="020B0604020202020204" pitchFamily="34" charset="0"/>
+              <a:buChar char="•"/>
+              <a:defRPr kumimoji="1" sz="3600" kern="1200">
+                <a:solidFill>
+                  <a:schemeClr val="tx1"/>
+                </a:solidFill>
+                <a:latin typeface="+mn-lt"/>
+                <a:ea typeface="+mn-ea"/>
+                <a:cs typeface="+mn-cs"/>
+              </a:defRPr>
+            </a:lvl9pPr>
+          </a:lstStyle>
+          <a:p>
+            <a:r>
+              <a:rPr lang="ja-JP" altLang="en-US"/>
+              <a:t>文献内容</a:t>
+            </a:r>
+          </a:p>
+        </p:txBody>
+      </p:sp>
+      <p:sp>
+        <p:nvSpPr>
+          <p:cNvPr id="38" name="テキスト プレースホルダー 27">
+            <a:extLst>
+              <a:ext uri="{FF2B5EF4-FFF2-40B4-BE49-F238E27FC236}">
+                <a16:creationId xmlns:a16="http://schemas.microsoft.com/office/drawing/2014/main" id="{52FC6201-0015-374A-A9F7-4FCF0162EFE8}"/>
+              </a:ext>
+            </a:extLst>
+          </p:cNvPr>
+          <p:cNvSpPr txBox="1">
+            <a:spLocks/>
+          </p:cNvSpPr>
+          <p:nvPr/>
+        </p:nvSpPr>
+        <p:spPr>
+          <a:xfrm>
+            <a:off x="1254486" y="2484733"/>
+            <a:ext cx="17551674" cy="1721508"/>
+          </a:xfrm>
+          <a:prstGeom prst="rect">
+            <a:avLst/>
+          </a:prstGeom>
+        </p:spPr>
+        <p:txBody>
+          <a:bodyPr>
+            <a:normAutofit/>
+          </a:bodyPr>
+          <a:lstStyle>
+            <a:lvl1pPr marL="0" indent="0" algn="l" defTabSz="1828800" rtl="0" eaLnBrk="1" latinLnBrk="0" hangingPunct="1">
+              <a:lnSpc>
+                <a:spcPct val="90000"/>
+              </a:lnSpc>
+              <a:spcBef>
+                <a:spcPts val="2000"/>
+              </a:spcBef>
+              <a:buFont typeface="Arial" panose="020B0604020202020204" pitchFamily="34" charset="0"/>
+              <a:buNone/>
+              <a:defRPr kumimoji="1" sz="4800" kern="1200">
+                <a:solidFill>
+                  <a:srgbClr val="424242"/>
+                </a:solidFill>
+                <a:latin typeface="+mn-lt"/>
+                <a:ea typeface="+mn-ea"/>
+                <a:cs typeface="+mn-cs"/>
+              </a:defRPr>
+            </a:lvl1pPr>
+            <a:lvl2pPr marL="1371600" indent="-457200" algn="l" defTabSz="1828800" rtl="0" eaLnBrk="1" latinLnBrk="0" hangingPunct="1">
+              <a:lnSpc>
+                <a:spcPct val="90000"/>
+              </a:lnSpc>
+              <a:spcBef>
+                <a:spcPts val="1000"/>
+              </a:spcBef>
+              <a:buFont typeface="Arial" panose="020B0604020202020204" pitchFamily="34" charset="0"/>
+              <a:buChar char="•"/>
+              <a:defRPr kumimoji="1" sz="4800" kern="1200">
+                <a:solidFill>
+                  <a:schemeClr val="tx1"/>
+                </a:solidFill>
+                <a:latin typeface="+mn-lt"/>
+                <a:ea typeface="+mn-ea"/>
+                <a:cs typeface="+mn-cs"/>
+              </a:defRPr>
+            </a:lvl2pPr>
+            <a:lvl3pPr marL="2286000" indent="-457200" algn="l" defTabSz="1828800" rtl="0" eaLnBrk="1" latinLnBrk="0" hangingPunct="1">
+              <a:lnSpc>
+                <a:spcPct val="90000"/>
+              </a:lnSpc>
+              <a:spcBef>
+                <a:spcPts val="1000"/>
+              </a:spcBef>
+              <a:buFont typeface="Arial" panose="020B0604020202020204" pitchFamily="34" charset="0"/>
+              <a:buChar char="•"/>
+              <a:defRPr kumimoji="1" sz="4000" kern="1200">
+                <a:solidFill>
+                  <a:schemeClr val="tx1"/>
+                </a:solidFill>
+                <a:latin typeface="+mn-lt"/>
+                <a:ea typeface="+mn-ea"/>
+                <a:cs typeface="+mn-cs"/>
+              </a:defRPr>
+            </a:lvl3pPr>
+            <a:lvl4pPr marL="3200400" indent="-457200" algn="l" defTabSz="1828800" rtl="0" eaLnBrk="1" latinLnBrk="0" hangingPunct="1">
+              <a:lnSpc>
+                <a:spcPct val="90000"/>
+              </a:lnSpc>
+              <a:spcBef>
+                <a:spcPts val="1000"/>
+              </a:spcBef>
+              <a:buFont typeface="Arial" panose="020B0604020202020204" pitchFamily="34" charset="0"/>
+              <a:buChar char="•"/>
+              <a:defRPr kumimoji="1" sz="3600" kern="1200">
+                <a:solidFill>
+                  <a:schemeClr val="tx1"/>
+                </a:solidFill>
+                <a:latin typeface="+mn-lt"/>
+                <a:ea typeface="+mn-ea"/>
+                <a:cs typeface="+mn-cs"/>
+              </a:defRPr>
+            </a:lvl4pPr>
+            <a:lvl5pPr marL="4114800" indent="-457200" algn="l" defTabSz="1828800" rtl="0" eaLnBrk="1" latinLnBrk="0" hangingPunct="1">
+              <a:lnSpc>
+                <a:spcPct val="90000"/>
+              </a:lnSpc>
+              <a:spcBef>
+                <a:spcPts val="1000"/>
+              </a:spcBef>
+              <a:buFont typeface="Arial" panose="020B0604020202020204" pitchFamily="34" charset="0"/>
+              <a:buChar char="•"/>
+              <a:defRPr kumimoji="1" sz="3600" kern="1200">
+                <a:solidFill>
+                  <a:schemeClr val="tx1"/>
+                </a:solidFill>
+                <a:latin typeface="+mn-lt"/>
+                <a:ea typeface="+mn-ea"/>
+                <a:cs typeface="+mn-cs"/>
+              </a:defRPr>
+            </a:lvl5pPr>
+            <a:lvl6pPr marL="5029200" indent="-457200" algn="l" defTabSz="1828800" rtl="0" eaLnBrk="1" latinLnBrk="0" hangingPunct="1">
+              <a:lnSpc>
+                <a:spcPct val="90000"/>
+              </a:lnSpc>
+              <a:spcBef>
+                <a:spcPts val="1000"/>
+              </a:spcBef>
+              <a:buFont typeface="Arial" panose="020B0604020202020204" pitchFamily="34" charset="0"/>
+              <a:buChar char="•"/>
+              <a:defRPr kumimoji="1" sz="3600" kern="1200">
+                <a:solidFill>
+                  <a:schemeClr val="tx1"/>
+                </a:solidFill>
+                <a:latin typeface="+mn-lt"/>
+                <a:ea typeface="+mn-ea"/>
+                <a:cs typeface="+mn-cs"/>
+              </a:defRPr>
+            </a:lvl6pPr>
+            <a:lvl7pPr marL="5943600" indent="-457200" algn="l" defTabSz="1828800" rtl="0" eaLnBrk="1" latinLnBrk="0" hangingPunct="1">
+              <a:lnSpc>
+                <a:spcPct val="90000"/>
+              </a:lnSpc>
+              <a:spcBef>
+                <a:spcPts val="1000"/>
+              </a:spcBef>
+              <a:buFont typeface="Arial" panose="020B0604020202020204" pitchFamily="34" charset="0"/>
+              <a:buChar char="•"/>
+              <a:defRPr kumimoji="1" sz="3600" kern="1200">
+                <a:solidFill>
+                  <a:schemeClr val="tx1"/>
+                </a:solidFill>
+                <a:latin typeface="+mn-lt"/>
+                <a:ea typeface="+mn-ea"/>
+                <a:cs typeface="+mn-cs"/>
+              </a:defRPr>
+            </a:lvl7pPr>
+            <a:lvl8pPr marL="6858000" indent="-457200" algn="l" defTabSz="1828800" rtl="0" eaLnBrk="1" latinLnBrk="0" hangingPunct="1">
+              <a:lnSpc>
+                <a:spcPct val="90000"/>
+              </a:lnSpc>
+              <a:spcBef>
+                <a:spcPts val="1000"/>
+              </a:spcBef>
+              <a:buFont typeface="Arial" panose="020B0604020202020204" pitchFamily="34" charset="0"/>
+              <a:buChar char="•"/>
+              <a:defRPr kumimoji="1" sz="3600" kern="1200">
+                <a:solidFill>
+                  <a:schemeClr val="tx1"/>
+                </a:solidFill>
+                <a:latin typeface="+mn-lt"/>
+                <a:ea typeface="+mn-ea"/>
+                <a:cs typeface="+mn-cs"/>
+              </a:defRPr>
+            </a:lvl8pPr>
+            <a:lvl9pPr marL="7772400" indent="-457200" algn="l" defTabSz="1828800" rtl="0" eaLnBrk="1" latinLnBrk="0" hangingPunct="1">
+              <a:lnSpc>
+                <a:spcPct val="90000"/>
+              </a:lnSpc>
+              <a:spcBef>
+                <a:spcPts val="1000"/>
+              </a:spcBef>
+              <a:buFont typeface="Arial" panose="020B0604020202020204" pitchFamily="34" charset="0"/>
+              <a:buChar char="•"/>
+              <a:defRPr kumimoji="1" sz="3600" kern="1200">
+                <a:solidFill>
+                  <a:schemeClr val="tx1"/>
+                </a:solidFill>
+                <a:latin typeface="+mn-lt"/>
+                <a:ea typeface="+mn-ea"/>
+                <a:cs typeface="+mn-cs"/>
+              </a:defRPr>
+            </a:lvl9pPr>
+          </a:lstStyle>
+          <a:p>
+            <a:r>
+              <a:rPr lang="ja-JP" altLang="en-US"/>
+              <a:t>人間同士の交渉で生じる効果について調査</a:t>
+            </a:r>
+            <a:endParaRPr lang="en-US" altLang="ja-JP" dirty="0"/>
+          </a:p>
+        </p:txBody>
+      </p:sp>
+      <p:sp>
+        <p:nvSpPr>
+          <p:cNvPr id="57" name="三角形 56">
+            <a:extLst>
+              <a:ext uri="{FF2B5EF4-FFF2-40B4-BE49-F238E27FC236}">
+                <a16:creationId xmlns:a16="http://schemas.microsoft.com/office/drawing/2014/main" id="{7F703886-4132-A74D-B009-F1827BE6F3C7}"/>
               </a:ext>
             </a:extLst>
           </p:cNvPr>
@@ -10332,7 +14208,7 @@
         </p:nvSpPr>
         <p:spPr>
           <a:xfrm rot="5400000">
-            <a:off x="1076238" y="4906100"/>
+            <a:off x="1076238" y="3361776"/>
             <a:ext cx="480900" cy="320016"/>
           </a:xfrm>
           <a:prstGeom prst="triangle">
@@ -10370,10 +14246,10 @@
       </p:sp>
       <p:sp>
         <p:nvSpPr>
-          <p:cNvPr id="24" name="テキスト プレースホルダー 29">
+          <p:cNvPr id="58" name="テキスト プレースホルダー 29">
             <a:extLst>
               <a:ext uri="{FF2B5EF4-FFF2-40B4-BE49-F238E27FC236}">
-                <a16:creationId xmlns:a16="http://schemas.microsoft.com/office/drawing/2014/main" id="{0D3816DE-CBDD-0845-96BC-E9CA51D62B4B}"/>
+                <a16:creationId xmlns:a16="http://schemas.microsoft.com/office/drawing/2014/main" id="{E23E8662-C802-5F46-BB63-19816491BB27}"/>
               </a:ext>
             </a:extLst>
           </p:cNvPr>
@@ -10384,7 +14260,7 @@
         </p:nvSpPr>
         <p:spPr>
           <a:xfrm>
-            <a:off x="1457090" y="4790826"/>
+            <a:off x="1457090" y="3246502"/>
             <a:ext cx="16135964" cy="853994"/>
           </a:xfrm>
           <a:prstGeom prst="rect">
@@ -10567,10 +14443,581 @@
           </a:p>
         </p:txBody>
       </p:sp>
+      <p:grpSp>
+        <p:nvGrpSpPr>
+          <p:cNvPr id="63" name="グループ化 62">
+            <a:extLst>
+              <a:ext uri="{FF2B5EF4-FFF2-40B4-BE49-F238E27FC236}">
+                <a16:creationId xmlns:a16="http://schemas.microsoft.com/office/drawing/2014/main" id="{4AF44EA4-DDD9-7A4B-82C3-6107E4CBC512}"/>
+              </a:ext>
+            </a:extLst>
+          </p:cNvPr>
+          <p:cNvGrpSpPr/>
+          <p:nvPr/>
+        </p:nvGrpSpPr>
+        <p:grpSpPr>
+          <a:xfrm>
+            <a:off x="882225" y="4438027"/>
+            <a:ext cx="14188950" cy="7935263"/>
+            <a:chOff x="882225" y="4438027"/>
+            <a:chExt cx="14188950" cy="7935263"/>
+          </a:xfrm>
+        </p:grpSpPr>
+        <p:grpSp>
+          <p:nvGrpSpPr>
+            <p:cNvPr id="50" name="グループ化 49">
+              <a:extLst>
+                <a:ext uri="{FF2B5EF4-FFF2-40B4-BE49-F238E27FC236}">
+                  <a16:creationId xmlns:a16="http://schemas.microsoft.com/office/drawing/2014/main" id="{44C579FB-CF39-3249-8336-0628B0040FF5}"/>
+                </a:ext>
+              </a:extLst>
+            </p:cNvPr>
+            <p:cNvGrpSpPr/>
+            <p:nvPr/>
+          </p:nvGrpSpPr>
+          <p:grpSpPr>
+            <a:xfrm>
+              <a:off x="3216825" y="9472120"/>
+              <a:ext cx="11854350" cy="2901170"/>
+              <a:chOff x="2226339" y="9389213"/>
+              <a:chExt cx="11854350" cy="2901170"/>
+            </a:xfrm>
+          </p:grpSpPr>
+          <p:sp>
+            <p:nvSpPr>
+              <p:cNvPr id="40" name="テキスト ボックス 39">
+                <a:extLst>
+                  <a:ext uri="{FF2B5EF4-FFF2-40B4-BE49-F238E27FC236}">
+                    <a16:creationId xmlns:a16="http://schemas.microsoft.com/office/drawing/2014/main" id="{F60B8D23-A246-6747-8581-59ACD9297206}"/>
+                  </a:ext>
+                </a:extLst>
+              </p:cNvPr>
+              <p:cNvSpPr txBox="1"/>
+              <p:nvPr/>
+            </p:nvSpPr>
+            <p:spPr>
+              <a:xfrm>
+                <a:off x="5900499" y="11644052"/>
+                <a:ext cx="4506031" cy="646331"/>
+              </a:xfrm>
+              <a:prstGeom prst="rect">
+                <a:avLst/>
+              </a:prstGeom>
+              <a:noFill/>
+            </p:spPr>
+            <p:txBody>
+              <a:bodyPr wrap="square" rtlCol="0">
+                <a:spAutoFit/>
+              </a:bodyPr>
+              <a:lstStyle/>
+              <a:p>
+                <a:pPr algn="ctr"/>
+                <a:r>
+                  <a:rPr lang="ja-JP" altLang="en-US"/>
+                  <a:t>交渉内容</a:t>
+                </a:r>
+                <a:endParaRPr kumimoji="1" lang="ja-JP" altLang="en-US"/>
+              </a:p>
+            </p:txBody>
+          </p:sp>
+          <p:grpSp>
+            <p:nvGrpSpPr>
+              <p:cNvPr id="49" name="グループ化 48">
+                <a:extLst>
+                  <a:ext uri="{FF2B5EF4-FFF2-40B4-BE49-F238E27FC236}">
+                    <a16:creationId xmlns:a16="http://schemas.microsoft.com/office/drawing/2014/main" id="{2E2ADBC7-AB10-924A-B7D8-7021B6210437}"/>
+                  </a:ext>
+                </a:extLst>
+              </p:cNvPr>
+              <p:cNvGrpSpPr/>
+              <p:nvPr/>
+            </p:nvGrpSpPr>
+            <p:grpSpPr>
+              <a:xfrm>
+                <a:off x="2226339" y="9389213"/>
+                <a:ext cx="11854350" cy="2010101"/>
+                <a:chOff x="3821592" y="9287685"/>
+                <a:chExt cx="11854350" cy="2010101"/>
+              </a:xfrm>
+            </p:grpSpPr>
+            <p:pic>
+              <p:nvPicPr>
+                <p:cNvPr id="30" name="グラフィックス 29" descr="Pasta">
+                  <a:extLst>
+                    <a:ext uri="{FF2B5EF4-FFF2-40B4-BE49-F238E27FC236}">
+                      <a16:creationId xmlns:a16="http://schemas.microsoft.com/office/drawing/2014/main" id="{AA8AA5FC-3F62-0645-A9E4-2453CD589EDE}"/>
+                    </a:ext>
+                  </a:extLst>
+                </p:cNvPr>
+                <p:cNvPicPr>
+                  <a:picLocks noChangeAspect="1"/>
+                </p:cNvPicPr>
+                <p:nvPr/>
+              </p:nvPicPr>
+              <p:blipFill>
+                <a:blip r:embed="rId2">
+                  <a:extLst>
+                    <a:ext uri="{96DAC541-7B7A-43D3-8B79-37D633B846F1}">
+                      <asvg:svgBlip xmlns:asvg="http://schemas.microsoft.com/office/drawing/2016/SVG/main" r:embed="rId3"/>
+                    </a:ext>
+                  </a:extLst>
+                </a:blip>
+                <a:stretch>
+                  <a:fillRect/>
+                </a:stretch>
+              </p:blipFill>
+              <p:spPr>
+                <a:xfrm>
+                  <a:off x="10418892" y="9287685"/>
+                  <a:ext cx="1956819" cy="1956819"/>
+                </a:xfrm>
+                <a:prstGeom prst="rect">
+                  <a:avLst/>
+                </a:prstGeom>
+              </p:spPr>
+            </p:pic>
+            <p:pic>
+              <p:nvPicPr>
+                <p:cNvPr id="42" name="グラフィックス 41" descr="Pizza">
+                  <a:extLst>
+                    <a:ext uri="{FF2B5EF4-FFF2-40B4-BE49-F238E27FC236}">
+                      <a16:creationId xmlns:a16="http://schemas.microsoft.com/office/drawing/2014/main" id="{4D0D7605-57E1-2D47-980D-0B3E5E228B1E}"/>
+                    </a:ext>
+                  </a:extLst>
+                </p:cNvPr>
+                <p:cNvPicPr>
+                  <a:picLocks noChangeAspect="1"/>
+                </p:cNvPicPr>
+                <p:nvPr/>
+              </p:nvPicPr>
+              <p:blipFill>
+                <a:blip r:embed="rId4">
+                  <a:extLst>
+                    <a:ext uri="{96DAC541-7B7A-43D3-8B79-37D633B846F1}">
+                      <asvg:svgBlip xmlns:asvg="http://schemas.microsoft.com/office/drawing/2016/SVG/main" r:embed="rId5"/>
+                    </a:ext>
+                  </a:extLst>
+                </a:blip>
+                <a:stretch>
+                  <a:fillRect/>
+                </a:stretch>
+              </p:blipFill>
+              <p:spPr>
+                <a:xfrm>
+                  <a:off x="7120242" y="9340967"/>
+                  <a:ext cx="1956819" cy="1956819"/>
+                </a:xfrm>
+                <a:prstGeom prst="rect">
+                  <a:avLst/>
+                </a:prstGeom>
+              </p:spPr>
+            </p:pic>
+            <p:pic>
+              <p:nvPicPr>
+                <p:cNvPr id="44" name="グラフィックス 43" descr="CakeSlice">
+                  <a:extLst>
+                    <a:ext uri="{FF2B5EF4-FFF2-40B4-BE49-F238E27FC236}">
+                      <a16:creationId xmlns:a16="http://schemas.microsoft.com/office/drawing/2014/main" id="{E4A74F59-522C-3041-BFD7-26FFA95B6CAB}"/>
+                    </a:ext>
+                  </a:extLst>
+                </p:cNvPr>
+                <p:cNvPicPr>
+                  <a:picLocks noChangeAspect="1"/>
+                </p:cNvPicPr>
+                <p:nvPr/>
+              </p:nvPicPr>
+              <p:blipFill>
+                <a:blip r:embed="rId6">
+                  <a:extLst>
+                    <a:ext uri="{96DAC541-7B7A-43D3-8B79-37D633B846F1}">
+                      <asvg:svgBlip xmlns:asvg="http://schemas.microsoft.com/office/drawing/2016/SVG/main" r:embed="rId7"/>
+                    </a:ext>
+                  </a:extLst>
+                </a:blip>
+                <a:stretch>
+                  <a:fillRect/>
+                </a:stretch>
+              </p:blipFill>
+              <p:spPr>
+                <a:xfrm>
+                  <a:off x="3821592" y="9334846"/>
+                  <a:ext cx="1956819" cy="1956819"/>
+                </a:xfrm>
+                <a:prstGeom prst="rect">
+                  <a:avLst/>
+                </a:prstGeom>
+              </p:spPr>
+            </p:pic>
+            <p:pic>
+              <p:nvPicPr>
+                <p:cNvPr id="48" name="グラフィックス 47" descr="Donut">
+                  <a:extLst>
+                    <a:ext uri="{FF2B5EF4-FFF2-40B4-BE49-F238E27FC236}">
+                      <a16:creationId xmlns:a16="http://schemas.microsoft.com/office/drawing/2014/main" id="{6077EAC6-78B7-984C-BA93-0C3FE5450BB1}"/>
+                    </a:ext>
+                  </a:extLst>
+                </p:cNvPr>
+                <p:cNvPicPr>
+                  <a:picLocks noChangeAspect="1"/>
+                </p:cNvPicPr>
+                <p:nvPr/>
+              </p:nvPicPr>
+              <p:blipFill>
+                <a:blip r:embed="rId8">
+                  <a:extLst>
+                    <a:ext uri="{96DAC541-7B7A-43D3-8B79-37D633B846F1}">
+                      <asvg:svgBlip xmlns:asvg="http://schemas.microsoft.com/office/drawing/2016/SVG/main" r:embed="rId9"/>
+                    </a:ext>
+                  </a:extLst>
+                </a:blip>
+                <a:stretch>
+                  <a:fillRect/>
+                </a:stretch>
+              </p:blipFill>
+              <p:spPr>
+                <a:xfrm>
+                  <a:off x="13717542" y="9333265"/>
+                  <a:ext cx="1958400" cy="1958400"/>
+                </a:xfrm>
+                <a:prstGeom prst="rect">
+                  <a:avLst/>
+                </a:prstGeom>
+              </p:spPr>
+            </p:pic>
+          </p:grpSp>
+        </p:grpSp>
+        <p:grpSp>
+          <p:nvGrpSpPr>
+            <p:cNvPr id="62" name="グループ化 61">
+              <a:extLst>
+                <a:ext uri="{FF2B5EF4-FFF2-40B4-BE49-F238E27FC236}">
+                  <a16:creationId xmlns:a16="http://schemas.microsoft.com/office/drawing/2014/main" id="{1ED3FE2A-4CAB-4941-9D00-BFA854D862A9}"/>
+                </a:ext>
+              </a:extLst>
+            </p:cNvPr>
+            <p:cNvGrpSpPr/>
+            <p:nvPr/>
+          </p:nvGrpSpPr>
+          <p:grpSpPr>
+            <a:xfrm>
+              <a:off x="882225" y="4438027"/>
+              <a:ext cx="12819252" cy="3039192"/>
+              <a:chOff x="856258" y="4438027"/>
+              <a:chExt cx="12819252" cy="3039192"/>
+            </a:xfrm>
+          </p:grpSpPr>
+          <p:grpSp>
+            <p:nvGrpSpPr>
+              <p:cNvPr id="59" name="グループ化 58">
+                <a:extLst>
+                  <a:ext uri="{FF2B5EF4-FFF2-40B4-BE49-F238E27FC236}">
+                    <a16:creationId xmlns:a16="http://schemas.microsoft.com/office/drawing/2014/main" id="{788BC890-50A4-6547-9139-84E07E78CDDD}"/>
+                  </a:ext>
+                </a:extLst>
+              </p:cNvPr>
+              <p:cNvGrpSpPr/>
+              <p:nvPr/>
+            </p:nvGrpSpPr>
+            <p:grpSpPr>
+              <a:xfrm>
+                <a:off x="856258" y="4438027"/>
+                <a:ext cx="5489081" cy="3039192"/>
+                <a:chOff x="289330" y="4438027"/>
+                <a:chExt cx="5489081" cy="3039192"/>
+              </a:xfrm>
+            </p:grpSpPr>
+            <p:grpSp>
+              <p:nvGrpSpPr>
+                <p:cNvPr id="52" name="グループ化 51">
+                  <a:extLst>
+                    <a:ext uri="{FF2B5EF4-FFF2-40B4-BE49-F238E27FC236}">
+                      <a16:creationId xmlns:a16="http://schemas.microsoft.com/office/drawing/2014/main" id="{1BCF6E7C-F602-1249-8DD2-2D51F9465F2E}"/>
+                    </a:ext>
+                  </a:extLst>
+                </p:cNvPr>
+                <p:cNvGrpSpPr/>
+                <p:nvPr/>
+              </p:nvGrpSpPr>
+              <p:grpSpPr>
+                <a:xfrm>
+                  <a:off x="4042657" y="5300337"/>
+                  <a:ext cx="1735754" cy="2176882"/>
+                  <a:chOff x="4042657" y="5300337"/>
+                  <a:chExt cx="1735754" cy="2176882"/>
+                </a:xfrm>
+              </p:grpSpPr>
+              <p:sp>
+                <p:nvSpPr>
+                  <p:cNvPr id="7" name="スマイル 6">
+                    <a:extLst>
+                      <a:ext uri="{FF2B5EF4-FFF2-40B4-BE49-F238E27FC236}">
+                        <a16:creationId xmlns:a16="http://schemas.microsoft.com/office/drawing/2014/main" id="{D228A579-477D-5D47-9416-90AA9EAA0BDE}"/>
+                      </a:ext>
+                    </a:extLst>
+                  </p:cNvPr>
+                  <p:cNvSpPr/>
+                  <p:nvPr/>
+                </p:nvSpPr>
+                <p:spPr>
+                  <a:xfrm>
+                    <a:off x="4082142" y="5969783"/>
+                    <a:ext cx="1656784" cy="1507436"/>
+                  </a:xfrm>
+                  <a:prstGeom prst="smileyFace">
+                    <a:avLst/>
+                  </a:prstGeom>
+                  <a:noFill/>
+                  <a:ln w="28575">
+                    <a:solidFill>
+                      <a:schemeClr val="accent1"/>
+                    </a:solidFill>
+                  </a:ln>
+                </p:spPr>
+                <p:style>
+                  <a:lnRef idx="2">
+                    <a:schemeClr val="accent1">
+                      <a:shade val="50000"/>
+                    </a:schemeClr>
+                  </a:lnRef>
+                  <a:fillRef idx="1">
+                    <a:schemeClr val="accent1"/>
+                  </a:fillRef>
+                  <a:effectRef idx="0">
+                    <a:schemeClr val="accent1"/>
+                  </a:effectRef>
+                  <a:fontRef idx="minor">
+                    <a:schemeClr val="lt1"/>
+                  </a:fontRef>
+                </p:style>
+                <p:txBody>
+                  <a:bodyPr rtlCol="0" anchor="ctr"/>
+                  <a:lstStyle/>
+                  <a:p>
+                    <a:pPr algn="ctr"/>
+                    <a:endParaRPr kumimoji="1" lang="ja-JP" altLang="en-US"/>
+                  </a:p>
+                </p:txBody>
+              </p:sp>
+              <p:sp>
+                <p:nvSpPr>
+                  <p:cNvPr id="8" name="テキスト ボックス 7">
+                    <a:extLst>
+                      <a:ext uri="{FF2B5EF4-FFF2-40B4-BE49-F238E27FC236}">
+                        <a16:creationId xmlns:a16="http://schemas.microsoft.com/office/drawing/2014/main" id="{801F810E-BC7B-7A4E-99A7-AFAF07FC3B8C}"/>
+                      </a:ext>
+                    </a:extLst>
+                  </p:cNvPr>
+                  <p:cNvSpPr txBox="1"/>
+                  <p:nvPr/>
+                </p:nvSpPr>
+                <p:spPr>
+                  <a:xfrm>
+                    <a:off x="4042657" y="5300337"/>
+                    <a:ext cx="1735754" cy="646331"/>
+                  </a:xfrm>
+                  <a:prstGeom prst="rect">
+                    <a:avLst/>
+                  </a:prstGeom>
+                  <a:noFill/>
+                </p:spPr>
+                <p:txBody>
+                  <a:bodyPr wrap="square" rtlCol="0">
+                    <a:spAutoFit/>
+                  </a:bodyPr>
+                  <a:lstStyle/>
+                  <a:p>
+                    <a:pPr algn="ctr"/>
+                    <a:r>
+                      <a:rPr kumimoji="1" lang="en-US" altLang="ja-JP" dirty="0"/>
+                      <a:t>agent</a:t>
+                    </a:r>
+                    <a:endParaRPr kumimoji="1" lang="ja-JP" altLang="en-US"/>
+                  </a:p>
+                </p:txBody>
+              </p:sp>
+            </p:grpSp>
+            <p:sp>
+              <p:nvSpPr>
+                <p:cNvPr id="10" name="角丸四角形吹き出し 9">
+                  <a:extLst>
+                    <a:ext uri="{FF2B5EF4-FFF2-40B4-BE49-F238E27FC236}">
+                      <a16:creationId xmlns:a16="http://schemas.microsoft.com/office/drawing/2014/main" id="{C91FDFFE-9D73-D245-86FD-90BADC7755F8}"/>
+                    </a:ext>
+                  </a:extLst>
+                </p:cNvPr>
+                <p:cNvSpPr/>
+                <p:nvPr/>
+              </p:nvSpPr>
+              <p:spPr>
+                <a:xfrm>
+                  <a:off x="289330" y="4438027"/>
+                  <a:ext cx="3639733" cy="1442523"/>
+                </a:xfrm>
+                <a:prstGeom prst="wedgeRoundRectCallout">
+                  <a:avLst>
+                    <a:gd name="adj1" fmla="val 44418"/>
+                    <a:gd name="adj2" fmla="val 78434"/>
+                    <a:gd name="adj3" fmla="val 16667"/>
+                  </a:avLst>
+                </a:prstGeom>
+                <a:ln>
+                  <a:noFill/>
+                </a:ln>
+              </p:spPr>
+              <p:style>
+                <a:lnRef idx="2">
+                  <a:schemeClr val="accent1">
+                    <a:shade val="50000"/>
+                  </a:schemeClr>
+                </a:lnRef>
+                <a:fillRef idx="1">
+                  <a:schemeClr val="accent1"/>
+                </a:fillRef>
+                <a:effectRef idx="0">
+                  <a:schemeClr val="accent1"/>
+                </a:effectRef>
+                <a:fontRef idx="minor">
+                  <a:schemeClr val="lt1"/>
+                </a:fontRef>
+              </p:style>
+              <p:txBody>
+                <a:bodyPr rtlCol="0" anchor="ctr"/>
+                <a:lstStyle/>
+                <a:p>
+                  <a:pPr algn="ctr"/>
+                  <a:r>
+                    <a:rPr kumimoji="1" lang="ja-JP" altLang="en-US"/>
+                    <a:t>どうしても</a:t>
+                  </a:r>
+                  <a:endParaRPr lang="en-US" altLang="ja-JP" dirty="0"/>
+                </a:p>
+                <a:p>
+                  <a:pPr algn="ctr"/>
+                  <a:r>
+                    <a:rPr kumimoji="1" lang="ja-JP" altLang="en-US"/>
+                    <a:t>パスタが欲しい</a:t>
+                  </a:r>
+                  <a:endParaRPr kumimoji="1" lang="en-US" altLang="ja-JP" dirty="0"/>
+                </a:p>
+              </p:txBody>
+            </p:sp>
+          </p:grpSp>
+          <p:grpSp>
+            <p:nvGrpSpPr>
+              <p:cNvPr id="56" name="グループ化 55">
+                <a:extLst>
+                  <a:ext uri="{FF2B5EF4-FFF2-40B4-BE49-F238E27FC236}">
+                    <a16:creationId xmlns:a16="http://schemas.microsoft.com/office/drawing/2014/main" id="{648E72E5-220A-5646-A1C3-1CB69FF1BA5D}"/>
+                  </a:ext>
+                </a:extLst>
+              </p:cNvPr>
+              <p:cNvGrpSpPr/>
+              <p:nvPr/>
+            </p:nvGrpSpPr>
+            <p:grpSpPr>
+              <a:xfrm>
+                <a:off x="11939756" y="5234219"/>
+                <a:ext cx="1735754" cy="2243000"/>
+                <a:chOff x="12470108" y="5234219"/>
+                <a:chExt cx="1735754" cy="2243000"/>
+              </a:xfrm>
+            </p:grpSpPr>
+            <p:sp>
+              <p:nvSpPr>
+                <p:cNvPr id="22" name="スマイル 21">
+                  <a:extLst>
+                    <a:ext uri="{FF2B5EF4-FFF2-40B4-BE49-F238E27FC236}">
+                      <a16:creationId xmlns:a16="http://schemas.microsoft.com/office/drawing/2014/main" id="{F20C562D-22E5-E84E-BF0E-CF1AAB77878B}"/>
+                    </a:ext>
+                  </a:extLst>
+                </p:cNvPr>
+                <p:cNvSpPr/>
+                <p:nvPr/>
+              </p:nvSpPr>
+              <p:spPr>
+                <a:xfrm>
+                  <a:off x="12549078" y="5969783"/>
+                  <a:ext cx="1656784" cy="1507436"/>
+                </a:xfrm>
+                <a:prstGeom prst="smileyFace">
+                  <a:avLst/>
+                </a:prstGeom>
+                <a:noFill/>
+                <a:ln w="28575">
+                  <a:solidFill>
+                    <a:schemeClr val="accent1"/>
+                  </a:solidFill>
+                </a:ln>
+              </p:spPr>
+              <p:style>
+                <a:lnRef idx="2">
+                  <a:schemeClr val="accent1">
+                    <a:shade val="50000"/>
+                  </a:schemeClr>
+                </a:lnRef>
+                <a:fillRef idx="1">
+                  <a:schemeClr val="accent1"/>
+                </a:fillRef>
+                <a:effectRef idx="0">
+                  <a:schemeClr val="accent1"/>
+                </a:effectRef>
+                <a:fontRef idx="minor">
+                  <a:schemeClr val="lt1"/>
+                </a:fontRef>
+              </p:style>
+              <p:txBody>
+                <a:bodyPr rtlCol="0" anchor="ctr"/>
+                <a:lstStyle/>
+                <a:p>
+                  <a:pPr algn="ctr"/>
+                  <a:endParaRPr kumimoji="1" lang="ja-JP" altLang="en-US"/>
+                </a:p>
+              </p:txBody>
+            </p:sp>
+            <p:sp>
+              <p:nvSpPr>
+                <p:cNvPr id="25" name="テキスト ボックス 24">
+                  <a:extLst>
+                    <a:ext uri="{FF2B5EF4-FFF2-40B4-BE49-F238E27FC236}">
+                      <a16:creationId xmlns:a16="http://schemas.microsoft.com/office/drawing/2014/main" id="{B097CB65-CD2F-E74C-A9E6-B2E571458D84}"/>
+                    </a:ext>
+                  </a:extLst>
+                </p:cNvPr>
+                <p:cNvSpPr txBox="1"/>
+                <p:nvPr/>
+              </p:nvSpPr>
+              <p:spPr>
+                <a:xfrm>
+                  <a:off x="12470108" y="5234219"/>
+                  <a:ext cx="1735754" cy="646331"/>
+                </a:xfrm>
+                <a:prstGeom prst="rect">
+                  <a:avLst/>
+                </a:prstGeom>
+                <a:noFill/>
+              </p:spPr>
+              <p:txBody>
+                <a:bodyPr wrap="square" rtlCol="0">
+                  <a:spAutoFit/>
+                </a:bodyPr>
+                <a:lstStyle/>
+                <a:p>
+                  <a:pPr algn="ctr"/>
+                  <a:r>
+                    <a:rPr lang="en-US" altLang="ja-JP" dirty="0"/>
+                    <a:t>human</a:t>
+                  </a:r>
+                  <a:endParaRPr kumimoji="1" lang="ja-JP" altLang="en-US"/>
+                </a:p>
+              </p:txBody>
+            </p:sp>
+          </p:grpSp>
+        </p:grpSp>
+      </p:grpSp>
     </p:spTree>
     <p:extLst>
       <p:ext uri="{BB962C8B-B14F-4D97-AF65-F5344CB8AC3E}">
-        <p14:creationId xmlns:p14="http://schemas.microsoft.com/office/powerpoint/2010/main" val="3951623133"/>
+        <p14:creationId xmlns:p14="http://schemas.microsoft.com/office/powerpoint/2010/main" val="2765108620"/>
       </p:ext>
     </p:extLst>
   </p:cSld>
@@ -10580,7 +15027,7 @@
 </p:sld>
 </file>
 
-<file path=ppt/slides/slide7.xml><?xml version="1.0" encoding="utf-8"?>
+<file path=ppt/slides/slide9.xml><?xml version="1.0" encoding="utf-8"?>
 <p:sld xmlns:a="http://schemas.openxmlformats.org/drawingml/2006/main" xmlns:r="http://schemas.openxmlformats.org/officeDocument/2006/relationships" xmlns:p="http://schemas.openxmlformats.org/presentationml/2006/main">
   <p:cSld>
     <p:spTree>
@@ -11600,7 +16047,7 @@
           <a:p>
             <a:fld id="{89242BC1-393D-1248-985B-18DA624F2964}" type="slidenum">
               <a:rPr kumimoji="1" lang="ja-JP" altLang="en-US" smtClean="0"/>
-              <a:t>7</a:t>
+              <a:t>9</a:t>
             </a:fld>
             <a:endParaRPr kumimoji="1" lang="ja-JP" altLang="en-US"/>
           </a:p>
